--- a/NIF.pptx
+++ b/NIF.pptx
@@ -48,7 +48,7 @@
       </p:grpSpPr>
       <p:sp>
         <p:nvSpPr>
-          <p:cNvPr id="78" name="PlaceHolder 1"/>
+          <p:cNvPr id="72" name="PlaceHolder 1"/>
           <p:cNvSpPr>
             <a:spLocks noGrp="1"/>
           </p:cNvSpPr>
@@ -80,7 +80,7 @@
       </p:sp>
       <p:sp>
         <p:nvSpPr>
-          <p:cNvPr id="79" name="PlaceHolder 2"/>
+          <p:cNvPr id="73" name="PlaceHolder 2"/>
           <p:cNvSpPr>
             <a:spLocks noGrp="1"/>
           </p:cNvSpPr>
@@ -112,7 +112,7 @@
       </p:sp>
       <p:sp>
         <p:nvSpPr>
-          <p:cNvPr id="80" name="PlaceHolder 3"/>
+          <p:cNvPr id="74" name="PlaceHolder 3"/>
           <p:cNvSpPr>
             <a:spLocks noGrp="1"/>
           </p:cNvSpPr>
@@ -145,7 +145,7 @@
       </p:sp>
       <p:sp>
         <p:nvSpPr>
-          <p:cNvPr id="81" name="PlaceHolder 4"/>
+          <p:cNvPr id="75" name="PlaceHolder 4"/>
           <p:cNvSpPr>
             <a:spLocks noGrp="1"/>
           </p:cNvSpPr>
@@ -177,7 +177,7 @@
       </p:sp>
       <p:sp>
         <p:nvSpPr>
-          <p:cNvPr id="82" name="PlaceHolder 5"/>
+          <p:cNvPr id="76" name="PlaceHolder 5"/>
           <p:cNvSpPr>
             <a:spLocks noGrp="1"/>
           </p:cNvSpPr>
@@ -198,7 +198,7 @@
           <a:bodyPr lIns="0" rIns="0" tIns="0" bIns="0" anchor="b"/>
           <a:p>
             <a:pPr algn="r"/>
-            <a:fld id="{F8030CF4-9352-4FA8-838D-1430BBBD301D}" type="slidenum">
+            <a:fld id="{38F397B1-2B57-49CF-BAC7-A91062BA0223}" type="slidenum">
               <a:rPr lang="pl-PL" sz="1400">
                 <a:latin typeface="Times New Roman"/>
               </a:rPr>
@@ -212,6 +212,95 @@
   </p:cSld>
   <p:clrMap bg1="lt1" bg2="lt2" tx1="dk1" tx2="dk2" accent1="accent1" accent2="accent2" accent3="accent3" accent4="accent4" accent5="accent5" accent6="accent6" hlink="hlink" folHlink="folHlink"/>
 </p:notesMaster>
+</file>
+
+<file path=ppt/notesSlides/notesSlide11.xml><?xml version="1.0" encoding="utf-8"?>
+<p:notes xmlns:a="http://schemas.openxmlformats.org/drawingml/2006/main" xmlns:p="http://schemas.openxmlformats.org/presentationml/2006/main" xmlns:r="http://schemas.openxmlformats.org/officeDocument/2006/relationships">
+  <p:cSld>
+    <p:spTree>
+      <p:nvGrpSpPr>
+        <p:cNvPr id="1" name=""/>
+        <p:cNvGrpSpPr/>
+        <p:nvPr/>
+      </p:nvGrpSpPr>
+      <p:grpSpPr>
+        <a:xfrm>
+          <a:off x="0" y="0"/>
+          <a:ext cx="0" cy="0"/>
+          <a:chOff x="0" y="0"/>
+          <a:chExt cx="0" cy="0"/>
+        </a:xfrm>
+      </p:grpSpPr>
+      <p:sp>
+        <p:nvSpPr>
+          <p:cNvPr id="113" name="PlaceHolder 1"/>
+          <p:cNvSpPr>
+            <a:spLocks noGrp="1"/>
+          </p:cNvSpPr>
+          <p:nvPr>
+            <p:ph type="body"/>
+          </p:nvPr>
+        </p:nvSpPr>
+        <p:spPr>
+          <a:xfrm>
+            <a:off x="685800" y="4343400"/>
+            <a:ext cx="5484960" cy="4113360"/>
+          </a:xfrm>
+          <a:prstGeom prst="rect">
+            <a:avLst/>
+          </a:prstGeom>
+        </p:spPr>
+        <p:txBody>
+          <a:bodyPr lIns="0" rIns="0" tIns="0" bIns="0"/>
+          <a:p>
+            <a:endParaRPr/>
+          </a:p>
+        </p:txBody>
+      </p:sp>
+      <p:sp>
+        <p:nvSpPr>
+          <p:cNvPr id="114" name="CustomShape 2"/>
+          <p:cNvSpPr/>
+          <p:nvPr/>
+        </p:nvSpPr>
+        <p:spPr>
+          <a:xfrm>
+            <a:off x="3884760" y="8685360"/>
+            <a:ext cx="2970360" cy="455760"/>
+          </a:xfrm>
+          <a:prstGeom prst="rect">
+            <a:avLst/>
+          </a:prstGeom>
+          <a:noFill/>
+          <a:ln>
+            <a:noFill/>
+          </a:ln>
+        </p:spPr>
+        <p:txBody>
+          <a:bodyPr lIns="90000" rIns="90000" tIns="45000" bIns="45000" anchor="b"/>
+          <a:p>
+            <a:pPr algn="r">
+              <a:lnSpc>
+                <a:spcPct val="100000"/>
+              </a:lnSpc>
+            </a:pPr>
+            <a:fld id="{6203FB87-27E2-46A0-8D6D-5093F7D0CCD6}" type="slidenum">
+              <a:rPr lang="pl-PL" sz="1200">
+                <a:solidFill>
+                  <a:srgbClr val="000000"/>
+                </a:solidFill>
+                <a:latin typeface="+mn-lt"/>
+                <a:ea typeface="+mn-ea"/>
+              </a:rPr>
+              <a:t>&lt;number&gt;</a:t>
+            </a:fld>
+            <a:endParaRPr/>
+          </a:p>
+        </p:txBody>
+      </p:sp>
+    </p:spTree>
+  </p:cSld>
+</p:notes>
 </file>
 
 <file path=ppt/notesSlides/notesSlide4.xml><?xml version="1.0" encoding="utf-8"?>
@@ -244,128 +333,47 @@
         <p:spPr>
           <a:xfrm>
             <a:off x="685800" y="4343400"/>
-            <a:ext cx="5486040" cy="4114440"/>
-          </a:xfrm>
-          <a:prstGeom prst="rect">
-            <a:avLst/>
-          </a:prstGeom>
-        </p:spPr>
-        <p:txBody>
-          <a:bodyPr/>
-          <a:p>
-            <a:endParaRPr/>
-          </a:p>
-        </p:txBody>
-      </p:sp>
-      <p:sp>
-        <p:nvSpPr>
-          <p:cNvPr id="112" name="TextShape 2"/>
-          <p:cNvSpPr txBox="1"/>
+            <a:ext cx="5484960" cy="4113360"/>
+          </a:xfrm>
+          <a:prstGeom prst="rect">
+            <a:avLst/>
+          </a:prstGeom>
+        </p:spPr>
+        <p:txBody>
+          <a:bodyPr lIns="0" rIns="0" tIns="0" bIns="0"/>
+          <a:p>
+            <a:endParaRPr/>
+          </a:p>
+        </p:txBody>
+      </p:sp>
+      <p:sp>
+        <p:nvSpPr>
+          <p:cNvPr id="112" name="CustomShape 2"/>
+          <p:cNvSpPr/>
           <p:nvPr/>
         </p:nvSpPr>
         <p:spPr>
           <a:xfrm>
             <a:off x="3884760" y="8685360"/>
-            <a:ext cx="2971440" cy="456840"/>
-          </a:xfrm>
-          <a:prstGeom prst="rect">
-            <a:avLst/>
-          </a:prstGeom>
-        </p:spPr>
-        <p:txBody>
-          <a:bodyPr anchor="b"/>
+            <a:ext cx="2970360" cy="455760"/>
+          </a:xfrm>
+          <a:prstGeom prst="rect">
+            <a:avLst/>
+          </a:prstGeom>
+          <a:noFill/>
+          <a:ln>
+            <a:noFill/>
+          </a:ln>
+        </p:spPr>
+        <p:txBody>
+          <a:bodyPr lIns="90000" rIns="90000" tIns="45000" bIns="45000" anchor="b"/>
           <a:p>
             <a:pPr algn="r">
               <a:lnSpc>
                 <a:spcPct val="100000"/>
               </a:lnSpc>
             </a:pPr>
-            <a:fld id="{42ED9C9B-87B7-457F-AF1B-A96E0CC1EC71}" type="slidenum">
-              <a:rPr lang="pl-PL" sz="1200">
-                <a:solidFill>
-                  <a:srgbClr val="000000"/>
-                </a:solidFill>
-                <a:latin typeface="+mn-lt"/>
-                <a:ea typeface="+mn-ea"/>
-              </a:rPr>
-              <a:t>&lt;number&gt;</a:t>
-            </a:fld>
-            <a:endParaRPr/>
-          </a:p>
-        </p:txBody>
-      </p:sp>
-    </p:spTree>
-  </p:cSld>
-</p:notes>
-</file>
-
-<file path=ppt/notesSlides/notesSlide5.xml><?xml version="1.0" encoding="utf-8"?>
-<p:notes xmlns:a="http://schemas.openxmlformats.org/drawingml/2006/main" xmlns:p="http://schemas.openxmlformats.org/presentationml/2006/main" xmlns:r="http://schemas.openxmlformats.org/officeDocument/2006/relationships">
-  <p:cSld>
-    <p:spTree>
-      <p:nvGrpSpPr>
-        <p:cNvPr id="1" name=""/>
-        <p:cNvGrpSpPr/>
-        <p:nvPr/>
-      </p:nvGrpSpPr>
-      <p:grpSpPr>
-        <a:xfrm>
-          <a:off x="0" y="0"/>
-          <a:ext cx="0" cy="0"/>
-          <a:chOff x="0" y="0"/>
-          <a:chExt cx="0" cy="0"/>
-        </a:xfrm>
-      </p:grpSpPr>
-      <p:sp>
-        <p:nvSpPr>
-          <p:cNvPr id="113" name="PlaceHolder 1"/>
-          <p:cNvSpPr>
-            <a:spLocks noGrp="1"/>
-          </p:cNvSpPr>
-          <p:nvPr>
-            <p:ph type="body"/>
-          </p:nvPr>
-        </p:nvSpPr>
-        <p:spPr>
-          <a:xfrm>
-            <a:off x="685800" y="4343400"/>
-            <a:ext cx="5486040" cy="4114440"/>
-          </a:xfrm>
-          <a:prstGeom prst="rect">
-            <a:avLst/>
-          </a:prstGeom>
-        </p:spPr>
-        <p:txBody>
-          <a:bodyPr/>
-          <a:p>
-            <a:endParaRPr/>
-          </a:p>
-        </p:txBody>
-      </p:sp>
-      <p:sp>
-        <p:nvSpPr>
-          <p:cNvPr id="114" name="TextShape 2"/>
-          <p:cNvSpPr txBox="1"/>
-          <p:nvPr/>
-        </p:nvSpPr>
-        <p:spPr>
-          <a:xfrm>
-            <a:off x="3884760" y="8685360"/>
-            <a:ext cx="2971440" cy="456840"/>
-          </a:xfrm>
-          <a:prstGeom prst="rect">
-            <a:avLst/>
-          </a:prstGeom>
-        </p:spPr>
-        <p:txBody>
-          <a:bodyPr anchor="b"/>
-          <a:p>
-            <a:pPr algn="r">
-              <a:lnSpc>
-                <a:spcPct val="100000"/>
-              </a:lnSpc>
-            </a:pPr>
-            <a:fld id="{C53765D8-C85F-4F5F-983F-A3423A46E352}" type="slidenum">
+            <a:fld id="{B3B1CD3E-8FBB-4B5D-88FB-AB3EE954B0B8}" type="slidenum">
               <a:rPr lang="pl-PL" sz="1200">
                 <a:solidFill>
                   <a:srgbClr val="000000"/>
@@ -425,7 +433,7 @@
       </p:grpSpPr>
       <p:sp>
         <p:nvSpPr>
-          <p:cNvPr id="26" name="PlaceHolder 1"/>
+          <p:cNvPr id="23" name="PlaceHolder 1"/>
           <p:cNvSpPr>
             <a:spLocks noGrp="1"/>
           </p:cNvSpPr>
@@ -435,8 +443,8 @@
         </p:nvSpPr>
         <p:spPr>
           <a:xfrm>
-            <a:off x="457200" y="274680"/>
-            <a:ext cx="8229240" cy="1143000"/>
+            <a:off x="457200" y="273600"/>
+            <a:ext cx="8229240" cy="1145160"/>
           </a:xfrm>
           <a:prstGeom prst="rect">
             <a:avLst/>
@@ -445,13 +453,14 @@
         <p:txBody>
           <a:bodyPr lIns="0" rIns="0" tIns="0" bIns="0" anchor="ctr"/>
           <a:p>
-            <a:endParaRPr/>
-          </a:p>
-        </p:txBody>
-      </p:sp>
-      <p:sp>
-        <p:nvSpPr>
-          <p:cNvPr id="27" name="PlaceHolder 2"/>
+            <a:pPr algn="ctr"/>
+            <a:endParaRPr/>
+          </a:p>
+        </p:txBody>
+      </p:sp>
+      <p:sp>
+        <p:nvSpPr>
+          <p:cNvPr id="24" name="PlaceHolder 2"/>
           <p:cNvSpPr>
             <a:spLocks noGrp="1"/>
           </p:cNvSpPr>
@@ -461,8 +470,8 @@
         </p:nvSpPr>
         <p:spPr>
           <a:xfrm>
-            <a:off x="457200" y="1600200"/>
-            <a:ext cx="8229240" cy="2158560"/>
+            <a:off x="457200" y="1604520"/>
+            <a:ext cx="8229240" cy="1896840"/>
           </a:xfrm>
           <a:prstGeom prst="rect">
             <a:avLst/>
@@ -477,7 +486,7 @@
       </p:sp>
       <p:sp>
         <p:nvSpPr>
-          <p:cNvPr id="28" name="PlaceHolder 3"/>
+          <p:cNvPr id="25" name="PlaceHolder 3"/>
           <p:cNvSpPr>
             <a:spLocks noGrp="1"/>
           </p:cNvSpPr>
@@ -487,8 +496,8 @@
         </p:nvSpPr>
         <p:spPr>
           <a:xfrm>
-            <a:off x="457200" y="3964320"/>
-            <a:ext cx="8229240" cy="2158560"/>
+            <a:off x="457200" y="3682080"/>
+            <a:ext cx="8229240" cy="1896840"/>
           </a:xfrm>
           <a:prstGeom prst="rect">
             <a:avLst/>
@@ -525,7 +534,7 @@
       </p:grpSpPr>
       <p:sp>
         <p:nvSpPr>
-          <p:cNvPr id="29" name="PlaceHolder 1"/>
+          <p:cNvPr id="26" name="PlaceHolder 1"/>
           <p:cNvSpPr>
             <a:spLocks noGrp="1"/>
           </p:cNvSpPr>
@@ -535,8 +544,8 @@
         </p:nvSpPr>
         <p:spPr>
           <a:xfrm>
-            <a:off x="457200" y="274680"/>
-            <a:ext cx="8229240" cy="1143000"/>
+            <a:off x="457200" y="273600"/>
+            <a:ext cx="8229240" cy="1145160"/>
           </a:xfrm>
           <a:prstGeom prst="rect">
             <a:avLst/>
@@ -545,13 +554,14 @@
         <p:txBody>
           <a:bodyPr lIns="0" rIns="0" tIns="0" bIns="0" anchor="ctr"/>
           <a:p>
-            <a:endParaRPr/>
-          </a:p>
-        </p:txBody>
-      </p:sp>
-      <p:sp>
-        <p:nvSpPr>
-          <p:cNvPr id="30" name="PlaceHolder 2"/>
+            <a:pPr algn="ctr"/>
+            <a:endParaRPr/>
+          </a:p>
+        </p:txBody>
+      </p:sp>
+      <p:sp>
+        <p:nvSpPr>
+          <p:cNvPr id="27" name="PlaceHolder 2"/>
           <p:cNvSpPr>
             <a:spLocks noGrp="1"/>
           </p:cNvSpPr>
@@ -561,8 +571,8 @@
         </p:nvSpPr>
         <p:spPr>
           <a:xfrm>
-            <a:off x="457200" y="1600200"/>
-            <a:ext cx="4015800" cy="2158560"/>
+            <a:off x="457200" y="1604520"/>
+            <a:ext cx="4015800" cy="1896840"/>
           </a:xfrm>
           <a:prstGeom prst="rect">
             <a:avLst/>
@@ -577,7 +587,7 @@
       </p:sp>
       <p:sp>
         <p:nvSpPr>
-          <p:cNvPr id="31" name="PlaceHolder 3"/>
+          <p:cNvPr id="28" name="PlaceHolder 3"/>
           <p:cNvSpPr>
             <a:spLocks noGrp="1"/>
           </p:cNvSpPr>
@@ -587,8 +597,8 @@
         </p:nvSpPr>
         <p:spPr>
           <a:xfrm>
-            <a:off x="4674240" y="1600200"/>
-            <a:ext cx="4015800" cy="2158560"/>
+            <a:off x="4674240" y="1604520"/>
+            <a:ext cx="4015800" cy="1896840"/>
           </a:xfrm>
           <a:prstGeom prst="rect">
             <a:avLst/>
@@ -603,7 +613,7 @@
       </p:sp>
       <p:sp>
         <p:nvSpPr>
-          <p:cNvPr id="32" name="PlaceHolder 4"/>
+          <p:cNvPr id="29" name="PlaceHolder 4"/>
           <p:cNvSpPr>
             <a:spLocks noGrp="1"/>
           </p:cNvSpPr>
@@ -613,8 +623,8 @@
         </p:nvSpPr>
         <p:spPr>
           <a:xfrm>
-            <a:off x="4674240" y="3964320"/>
-            <a:ext cx="4015800" cy="2158560"/>
+            <a:off x="4674240" y="3682080"/>
+            <a:ext cx="4015800" cy="1896840"/>
           </a:xfrm>
           <a:prstGeom prst="rect">
             <a:avLst/>
@@ -629,7 +639,7 @@
       </p:sp>
       <p:sp>
         <p:nvSpPr>
-          <p:cNvPr id="33" name="PlaceHolder 5"/>
+          <p:cNvPr id="30" name="PlaceHolder 5"/>
           <p:cNvSpPr>
             <a:spLocks noGrp="1"/>
           </p:cNvSpPr>
@@ -639,8 +649,8 @@
         </p:nvSpPr>
         <p:spPr>
           <a:xfrm>
-            <a:off x="457200" y="3964320"/>
-            <a:ext cx="4015800" cy="2158560"/>
+            <a:off x="457200" y="3682080"/>
+            <a:ext cx="4015800" cy="1896840"/>
           </a:xfrm>
           <a:prstGeom prst="rect">
             <a:avLst/>
@@ -677,7 +687,7 @@
       </p:grpSpPr>
       <p:sp>
         <p:nvSpPr>
-          <p:cNvPr id="34" name="PlaceHolder 1"/>
+          <p:cNvPr id="31" name="PlaceHolder 1"/>
           <p:cNvSpPr>
             <a:spLocks noGrp="1"/>
           </p:cNvSpPr>
@@ -687,8 +697,8 @@
         </p:nvSpPr>
         <p:spPr>
           <a:xfrm>
-            <a:off x="457200" y="274680"/>
-            <a:ext cx="8229240" cy="1143000"/>
+            <a:off x="457200" y="273600"/>
+            <a:ext cx="8229240" cy="1145160"/>
           </a:xfrm>
           <a:prstGeom prst="rect">
             <a:avLst/>
@@ -697,13 +707,14 @@
         <p:txBody>
           <a:bodyPr lIns="0" rIns="0" tIns="0" bIns="0" anchor="ctr"/>
           <a:p>
-            <a:endParaRPr/>
-          </a:p>
-        </p:txBody>
-      </p:sp>
-      <p:sp>
-        <p:nvSpPr>
-          <p:cNvPr id="35" name="PlaceHolder 2"/>
+            <a:pPr algn="ctr"/>
+            <a:endParaRPr/>
+          </a:p>
+        </p:txBody>
+      </p:sp>
+      <p:sp>
+        <p:nvSpPr>
+          <p:cNvPr id="32" name="PlaceHolder 2"/>
           <p:cNvSpPr>
             <a:spLocks noGrp="1"/>
           </p:cNvSpPr>
@@ -713,8 +724,8 @@
         </p:nvSpPr>
         <p:spPr>
           <a:xfrm>
-            <a:off x="457200" y="1600200"/>
-            <a:ext cx="8229240" cy="4525560"/>
+            <a:off x="457200" y="1604520"/>
+            <a:ext cx="8229240" cy="3977280"/>
           </a:xfrm>
           <a:prstGeom prst="rect">
             <a:avLst/>
@@ -729,7 +740,7 @@
       </p:sp>
       <p:sp>
         <p:nvSpPr>
-          <p:cNvPr id="36" name="PlaceHolder 3"/>
+          <p:cNvPr id="33" name="PlaceHolder 3"/>
           <p:cNvSpPr>
             <a:spLocks noGrp="1"/>
           </p:cNvSpPr>
@@ -739,8 +750,8 @@
         </p:nvSpPr>
         <p:spPr>
           <a:xfrm>
-            <a:off x="457200" y="1600200"/>
-            <a:ext cx="8229240" cy="4525560"/>
+            <a:off x="457200" y="1604520"/>
+            <a:ext cx="8229240" cy="3977280"/>
           </a:xfrm>
           <a:prstGeom prst="rect">
             <a:avLst/>
@@ -755,7 +766,7 @@
       </p:sp>
       <p:pic>
         <p:nvPicPr>
-          <p:cNvPr id="37" name="" descr=""/>
+          <p:cNvPr id="34" name="" descr=""/>
           <p:cNvPicPr/>
           <p:nvPr/>
         </p:nvPicPr>
@@ -767,8 +778,8 @@
         </p:blipFill>
         <p:spPr>
           <a:xfrm>
-            <a:off x="1735560" y="1599840"/>
-            <a:ext cx="5671800" cy="4525560"/>
+            <a:off x="2079000" y="1604520"/>
+            <a:ext cx="4984920" cy="3977280"/>
           </a:xfrm>
           <a:prstGeom prst="rect">
             <a:avLst/>
@@ -780,7 +791,7 @@
       </p:pic>
       <p:pic>
         <p:nvPicPr>
-          <p:cNvPr id="38" name="" descr=""/>
+          <p:cNvPr id="35" name="" descr=""/>
           <p:cNvPicPr/>
           <p:nvPr/>
         </p:nvPicPr>
@@ -792,8 +803,8 @@
         </p:blipFill>
         <p:spPr>
           <a:xfrm>
-            <a:off x="1735560" y="1599840"/>
-            <a:ext cx="5671800" cy="4525560"/>
+            <a:off x="2079000" y="1604520"/>
+            <a:ext cx="4984920" cy="3977280"/>
           </a:xfrm>
           <a:prstGeom prst="rect">
             <a:avLst/>
@@ -849,7 +860,7 @@
       </p:grpSpPr>
       <p:sp>
         <p:nvSpPr>
-          <p:cNvPr id="44" name="PlaceHolder 1"/>
+          <p:cNvPr id="38" name="PlaceHolder 1"/>
           <p:cNvSpPr>
             <a:spLocks noGrp="1"/>
           </p:cNvSpPr>
@@ -859,8 +870,8 @@
         </p:nvSpPr>
         <p:spPr>
           <a:xfrm>
-            <a:off x="457200" y="274680"/>
-            <a:ext cx="8229240" cy="1143000"/>
+            <a:off x="457200" y="273600"/>
+            <a:ext cx="8229240" cy="1145160"/>
           </a:xfrm>
           <a:prstGeom prst="rect">
             <a:avLst/>
@@ -869,13 +880,14 @@
         <p:txBody>
           <a:bodyPr lIns="0" rIns="0" tIns="0" bIns="0" anchor="ctr"/>
           <a:p>
-            <a:endParaRPr/>
-          </a:p>
-        </p:txBody>
-      </p:sp>
-      <p:sp>
-        <p:nvSpPr>
-          <p:cNvPr id="45" name="PlaceHolder 2"/>
+            <a:pPr algn="ctr"/>
+            <a:endParaRPr/>
+          </a:p>
+        </p:txBody>
+      </p:sp>
+      <p:sp>
+        <p:nvSpPr>
+          <p:cNvPr id="39" name="PlaceHolder 2"/>
           <p:cNvSpPr>
             <a:spLocks noGrp="1"/>
           </p:cNvSpPr>
@@ -885,8 +897,8 @@
         </p:nvSpPr>
         <p:spPr>
           <a:xfrm>
-            <a:off x="457200" y="1600200"/>
-            <a:ext cx="8229240" cy="4525920"/>
+            <a:off x="457200" y="1604520"/>
+            <a:ext cx="8229240" cy="3977640"/>
           </a:xfrm>
           <a:prstGeom prst="rect">
             <a:avLst/>
@@ -924,7 +936,7 @@
       </p:grpSpPr>
       <p:sp>
         <p:nvSpPr>
-          <p:cNvPr id="46" name="PlaceHolder 1"/>
+          <p:cNvPr id="40" name="PlaceHolder 1"/>
           <p:cNvSpPr>
             <a:spLocks noGrp="1"/>
           </p:cNvSpPr>
@@ -934,8 +946,8 @@
         </p:nvSpPr>
         <p:spPr>
           <a:xfrm>
-            <a:off x="457200" y="274680"/>
-            <a:ext cx="8229240" cy="1143000"/>
+            <a:off x="457200" y="273600"/>
+            <a:ext cx="8229240" cy="1145160"/>
           </a:xfrm>
           <a:prstGeom prst="rect">
             <a:avLst/>
@@ -944,13 +956,14 @@
         <p:txBody>
           <a:bodyPr lIns="0" rIns="0" tIns="0" bIns="0" anchor="ctr"/>
           <a:p>
-            <a:endParaRPr/>
-          </a:p>
-        </p:txBody>
-      </p:sp>
-      <p:sp>
-        <p:nvSpPr>
-          <p:cNvPr id="47" name="PlaceHolder 2"/>
+            <a:pPr algn="ctr"/>
+            <a:endParaRPr/>
+          </a:p>
+        </p:txBody>
+      </p:sp>
+      <p:sp>
+        <p:nvSpPr>
+          <p:cNvPr id="41" name="PlaceHolder 2"/>
           <p:cNvSpPr>
             <a:spLocks noGrp="1"/>
           </p:cNvSpPr>
@@ -960,8 +973,8 @@
         </p:nvSpPr>
         <p:spPr>
           <a:xfrm>
-            <a:off x="457200" y="1600200"/>
-            <a:ext cx="8229240" cy="4525560"/>
+            <a:off x="457200" y="1604520"/>
+            <a:ext cx="8229240" cy="3977280"/>
           </a:xfrm>
           <a:prstGeom prst="rect">
             <a:avLst/>
@@ -998,7 +1011,7 @@
       </p:grpSpPr>
       <p:sp>
         <p:nvSpPr>
-          <p:cNvPr id="48" name="PlaceHolder 1"/>
+          <p:cNvPr id="42" name="PlaceHolder 1"/>
           <p:cNvSpPr>
             <a:spLocks noGrp="1"/>
           </p:cNvSpPr>
@@ -1008,8 +1021,8 @@
         </p:nvSpPr>
         <p:spPr>
           <a:xfrm>
-            <a:off x="457200" y="274680"/>
-            <a:ext cx="8229240" cy="1143000"/>
+            <a:off x="457200" y="273600"/>
+            <a:ext cx="8229240" cy="1145160"/>
           </a:xfrm>
           <a:prstGeom prst="rect">
             <a:avLst/>
@@ -1018,13 +1031,14 @@
         <p:txBody>
           <a:bodyPr lIns="0" rIns="0" tIns="0" bIns="0" anchor="ctr"/>
           <a:p>
-            <a:endParaRPr/>
-          </a:p>
-        </p:txBody>
-      </p:sp>
-      <p:sp>
-        <p:nvSpPr>
-          <p:cNvPr id="49" name="PlaceHolder 2"/>
+            <a:pPr algn="ctr"/>
+            <a:endParaRPr/>
+          </a:p>
+        </p:txBody>
+      </p:sp>
+      <p:sp>
+        <p:nvSpPr>
+          <p:cNvPr id="43" name="PlaceHolder 2"/>
           <p:cNvSpPr>
             <a:spLocks noGrp="1"/>
           </p:cNvSpPr>
@@ -1034,8 +1048,8 @@
         </p:nvSpPr>
         <p:spPr>
           <a:xfrm>
-            <a:off x="457200" y="1600200"/>
-            <a:ext cx="4015800" cy="4525560"/>
+            <a:off x="457200" y="1604520"/>
+            <a:ext cx="4015800" cy="3977280"/>
           </a:xfrm>
           <a:prstGeom prst="rect">
             <a:avLst/>
@@ -1050,7 +1064,7 @@
       </p:sp>
       <p:sp>
         <p:nvSpPr>
-          <p:cNvPr id="50" name="PlaceHolder 3"/>
+          <p:cNvPr id="44" name="PlaceHolder 3"/>
           <p:cNvSpPr>
             <a:spLocks noGrp="1"/>
           </p:cNvSpPr>
@@ -1060,8 +1074,8 @@
         </p:nvSpPr>
         <p:spPr>
           <a:xfrm>
-            <a:off x="4674240" y="1600200"/>
-            <a:ext cx="4015800" cy="4525560"/>
+            <a:off x="4674240" y="1604520"/>
+            <a:ext cx="4015800" cy="3977280"/>
           </a:xfrm>
           <a:prstGeom prst="rect">
             <a:avLst/>
@@ -1098,7 +1112,7 @@
       </p:grpSpPr>
       <p:sp>
         <p:nvSpPr>
-          <p:cNvPr id="51" name="PlaceHolder 1"/>
+          <p:cNvPr id="45" name="PlaceHolder 1"/>
           <p:cNvSpPr>
             <a:spLocks noGrp="1"/>
           </p:cNvSpPr>
@@ -1108,8 +1122,8 @@
         </p:nvSpPr>
         <p:spPr>
           <a:xfrm>
-            <a:off x="457200" y="274680"/>
-            <a:ext cx="8229240" cy="1143000"/>
+            <a:off x="457200" y="273600"/>
+            <a:ext cx="8229240" cy="1145160"/>
           </a:xfrm>
           <a:prstGeom prst="rect">
             <a:avLst/>
@@ -1118,6 +1132,7 @@
         <p:txBody>
           <a:bodyPr lIns="0" rIns="0" tIns="0" bIns="0" anchor="ctr"/>
           <a:p>
+            <a:pPr algn="ctr"/>
             <a:endParaRPr/>
           </a:p>
         </p:txBody>
@@ -1146,7 +1161,7 @@
       </p:grpSpPr>
       <p:sp>
         <p:nvSpPr>
-          <p:cNvPr id="52" name="PlaceHolder 1"/>
+          <p:cNvPr id="46" name="PlaceHolder 1"/>
           <p:cNvSpPr>
             <a:spLocks noGrp="1"/>
           </p:cNvSpPr>
@@ -1156,8 +1171,8 @@
         </p:nvSpPr>
         <p:spPr>
           <a:xfrm>
-            <a:off x="457200" y="274680"/>
-            <a:ext cx="8229240" cy="5298120"/>
+            <a:off x="457200" y="273600"/>
+            <a:ext cx="8229240" cy="5308200"/>
           </a:xfrm>
           <a:prstGeom prst="rect">
             <a:avLst/>
@@ -1195,7 +1210,7 @@
       </p:grpSpPr>
       <p:sp>
         <p:nvSpPr>
-          <p:cNvPr id="53" name="PlaceHolder 1"/>
+          <p:cNvPr id="47" name="PlaceHolder 1"/>
           <p:cNvSpPr>
             <a:spLocks noGrp="1"/>
           </p:cNvSpPr>
@@ -1205,8 +1220,8 @@
         </p:nvSpPr>
         <p:spPr>
           <a:xfrm>
-            <a:off x="457200" y="274680"/>
-            <a:ext cx="8229240" cy="1143000"/>
+            <a:off x="457200" y="273600"/>
+            <a:ext cx="8229240" cy="1145160"/>
           </a:xfrm>
           <a:prstGeom prst="rect">
             <a:avLst/>
@@ -1215,13 +1230,14 @@
         <p:txBody>
           <a:bodyPr lIns="0" rIns="0" tIns="0" bIns="0" anchor="ctr"/>
           <a:p>
-            <a:endParaRPr/>
-          </a:p>
-        </p:txBody>
-      </p:sp>
-      <p:sp>
-        <p:nvSpPr>
-          <p:cNvPr id="54" name="PlaceHolder 2"/>
+            <a:pPr algn="ctr"/>
+            <a:endParaRPr/>
+          </a:p>
+        </p:txBody>
+      </p:sp>
+      <p:sp>
+        <p:nvSpPr>
+          <p:cNvPr id="48" name="PlaceHolder 2"/>
           <p:cNvSpPr>
             <a:spLocks noGrp="1"/>
           </p:cNvSpPr>
@@ -1231,8 +1247,8 @@
         </p:nvSpPr>
         <p:spPr>
           <a:xfrm>
-            <a:off x="457200" y="1600200"/>
-            <a:ext cx="4015800" cy="2158560"/>
+            <a:off x="457200" y="1604520"/>
+            <a:ext cx="4015800" cy="1896840"/>
           </a:xfrm>
           <a:prstGeom prst="rect">
             <a:avLst/>
@@ -1247,7 +1263,7 @@
       </p:sp>
       <p:sp>
         <p:nvSpPr>
-          <p:cNvPr id="55" name="PlaceHolder 3"/>
+          <p:cNvPr id="49" name="PlaceHolder 3"/>
           <p:cNvSpPr>
             <a:spLocks noGrp="1"/>
           </p:cNvSpPr>
@@ -1257,8 +1273,8 @@
         </p:nvSpPr>
         <p:spPr>
           <a:xfrm>
-            <a:off x="457200" y="3964320"/>
-            <a:ext cx="4015800" cy="2158560"/>
+            <a:off x="457200" y="3682080"/>
+            <a:ext cx="4015800" cy="1896840"/>
           </a:xfrm>
           <a:prstGeom prst="rect">
             <a:avLst/>
@@ -1273,7 +1289,7 @@
       </p:sp>
       <p:sp>
         <p:nvSpPr>
-          <p:cNvPr id="56" name="PlaceHolder 4"/>
+          <p:cNvPr id="50" name="PlaceHolder 4"/>
           <p:cNvSpPr>
             <a:spLocks noGrp="1"/>
           </p:cNvSpPr>
@@ -1283,8 +1299,8 @@
         </p:nvSpPr>
         <p:spPr>
           <a:xfrm>
-            <a:off x="4674240" y="1600200"/>
-            <a:ext cx="4015800" cy="4525560"/>
+            <a:off x="4674240" y="1604520"/>
+            <a:ext cx="4015800" cy="3977280"/>
           </a:xfrm>
           <a:prstGeom prst="rect">
             <a:avLst/>
@@ -1321,7 +1337,7 @@
       </p:grpSpPr>
       <p:sp>
         <p:nvSpPr>
-          <p:cNvPr id="5" name="PlaceHolder 1"/>
+          <p:cNvPr id="2" name="PlaceHolder 1"/>
           <p:cNvSpPr>
             <a:spLocks noGrp="1"/>
           </p:cNvSpPr>
@@ -1331,8 +1347,8 @@
         </p:nvSpPr>
         <p:spPr>
           <a:xfrm>
-            <a:off x="457200" y="274680"/>
-            <a:ext cx="8229240" cy="1143000"/>
+            <a:off x="457200" y="273600"/>
+            <a:ext cx="8229240" cy="1145160"/>
           </a:xfrm>
           <a:prstGeom prst="rect">
             <a:avLst/>
@@ -1341,13 +1357,14 @@
         <p:txBody>
           <a:bodyPr lIns="0" rIns="0" tIns="0" bIns="0" anchor="ctr"/>
           <a:p>
-            <a:endParaRPr/>
-          </a:p>
-        </p:txBody>
-      </p:sp>
-      <p:sp>
-        <p:nvSpPr>
-          <p:cNvPr id="6" name="PlaceHolder 2"/>
+            <a:pPr algn="ctr"/>
+            <a:endParaRPr/>
+          </a:p>
+        </p:txBody>
+      </p:sp>
+      <p:sp>
+        <p:nvSpPr>
+          <p:cNvPr id="3" name="PlaceHolder 2"/>
           <p:cNvSpPr>
             <a:spLocks noGrp="1"/>
           </p:cNvSpPr>
@@ -1357,8 +1374,8 @@
         </p:nvSpPr>
         <p:spPr>
           <a:xfrm>
-            <a:off x="457200" y="1600200"/>
-            <a:ext cx="8229240" cy="4525920"/>
+            <a:off x="457200" y="1604520"/>
+            <a:ext cx="8229240" cy="3977640"/>
           </a:xfrm>
           <a:prstGeom prst="rect">
             <a:avLst/>
@@ -1396,7 +1413,7 @@
       </p:grpSpPr>
       <p:sp>
         <p:nvSpPr>
-          <p:cNvPr id="57" name="PlaceHolder 1"/>
+          <p:cNvPr id="51" name="PlaceHolder 1"/>
           <p:cNvSpPr>
             <a:spLocks noGrp="1"/>
           </p:cNvSpPr>
@@ -1406,8 +1423,8 @@
         </p:nvSpPr>
         <p:spPr>
           <a:xfrm>
-            <a:off x="457200" y="274680"/>
-            <a:ext cx="8229240" cy="1143000"/>
+            <a:off x="457200" y="273600"/>
+            <a:ext cx="8229240" cy="1145160"/>
           </a:xfrm>
           <a:prstGeom prst="rect">
             <a:avLst/>
@@ -1416,13 +1433,14 @@
         <p:txBody>
           <a:bodyPr lIns="0" rIns="0" tIns="0" bIns="0" anchor="ctr"/>
           <a:p>
-            <a:endParaRPr/>
-          </a:p>
-        </p:txBody>
-      </p:sp>
-      <p:sp>
-        <p:nvSpPr>
-          <p:cNvPr id="58" name="PlaceHolder 2"/>
+            <a:pPr algn="ctr"/>
+            <a:endParaRPr/>
+          </a:p>
+        </p:txBody>
+      </p:sp>
+      <p:sp>
+        <p:nvSpPr>
+          <p:cNvPr id="52" name="PlaceHolder 2"/>
           <p:cNvSpPr>
             <a:spLocks noGrp="1"/>
           </p:cNvSpPr>
@@ -1432,8 +1450,8 @@
         </p:nvSpPr>
         <p:spPr>
           <a:xfrm>
-            <a:off x="457200" y="1600200"/>
-            <a:ext cx="4015800" cy="4525560"/>
+            <a:off x="457200" y="1604520"/>
+            <a:ext cx="4015800" cy="3977280"/>
           </a:xfrm>
           <a:prstGeom prst="rect">
             <a:avLst/>
@@ -1448,7 +1466,7 @@
       </p:sp>
       <p:sp>
         <p:nvSpPr>
-          <p:cNvPr id="59" name="PlaceHolder 3"/>
+          <p:cNvPr id="53" name="PlaceHolder 3"/>
           <p:cNvSpPr>
             <a:spLocks noGrp="1"/>
           </p:cNvSpPr>
@@ -1458,8 +1476,8 @@
         </p:nvSpPr>
         <p:spPr>
           <a:xfrm>
-            <a:off x="4674240" y="1600200"/>
-            <a:ext cx="4015800" cy="2158560"/>
+            <a:off x="4674240" y="1604520"/>
+            <a:ext cx="4015800" cy="1896840"/>
           </a:xfrm>
           <a:prstGeom prst="rect">
             <a:avLst/>
@@ -1474,7 +1492,7 @@
       </p:sp>
       <p:sp>
         <p:nvSpPr>
-          <p:cNvPr id="60" name="PlaceHolder 4"/>
+          <p:cNvPr id="54" name="PlaceHolder 4"/>
           <p:cNvSpPr>
             <a:spLocks noGrp="1"/>
           </p:cNvSpPr>
@@ -1484,8 +1502,8 @@
         </p:nvSpPr>
         <p:spPr>
           <a:xfrm>
-            <a:off x="4674240" y="3964320"/>
-            <a:ext cx="4015800" cy="2158560"/>
+            <a:off x="4674240" y="3682080"/>
+            <a:ext cx="4015800" cy="1896840"/>
           </a:xfrm>
           <a:prstGeom prst="rect">
             <a:avLst/>
@@ -1522,7 +1540,7 @@
       </p:grpSpPr>
       <p:sp>
         <p:nvSpPr>
-          <p:cNvPr id="61" name="PlaceHolder 1"/>
+          <p:cNvPr id="55" name="PlaceHolder 1"/>
           <p:cNvSpPr>
             <a:spLocks noGrp="1"/>
           </p:cNvSpPr>
@@ -1532,8 +1550,8 @@
         </p:nvSpPr>
         <p:spPr>
           <a:xfrm>
-            <a:off x="457200" y="274680"/>
-            <a:ext cx="8229240" cy="1143000"/>
+            <a:off x="457200" y="273600"/>
+            <a:ext cx="8229240" cy="1145160"/>
           </a:xfrm>
           <a:prstGeom prst="rect">
             <a:avLst/>
@@ -1542,13 +1560,14 @@
         <p:txBody>
           <a:bodyPr lIns="0" rIns="0" tIns="0" bIns="0" anchor="ctr"/>
           <a:p>
-            <a:endParaRPr/>
-          </a:p>
-        </p:txBody>
-      </p:sp>
-      <p:sp>
-        <p:nvSpPr>
-          <p:cNvPr id="62" name="PlaceHolder 2"/>
+            <a:pPr algn="ctr"/>
+            <a:endParaRPr/>
+          </a:p>
+        </p:txBody>
+      </p:sp>
+      <p:sp>
+        <p:nvSpPr>
+          <p:cNvPr id="56" name="PlaceHolder 2"/>
           <p:cNvSpPr>
             <a:spLocks noGrp="1"/>
           </p:cNvSpPr>
@@ -1558,8 +1577,8 @@
         </p:nvSpPr>
         <p:spPr>
           <a:xfrm>
-            <a:off x="457200" y="1600200"/>
-            <a:ext cx="4015800" cy="2158560"/>
+            <a:off x="457200" y="1604520"/>
+            <a:ext cx="4015800" cy="1896840"/>
           </a:xfrm>
           <a:prstGeom prst="rect">
             <a:avLst/>
@@ -1574,7 +1593,7 @@
       </p:sp>
       <p:sp>
         <p:nvSpPr>
-          <p:cNvPr id="63" name="PlaceHolder 3"/>
+          <p:cNvPr id="57" name="PlaceHolder 3"/>
           <p:cNvSpPr>
             <a:spLocks noGrp="1"/>
           </p:cNvSpPr>
@@ -1584,8 +1603,8 @@
         </p:nvSpPr>
         <p:spPr>
           <a:xfrm>
-            <a:off x="4674240" y="1600200"/>
-            <a:ext cx="4015800" cy="2158560"/>
+            <a:off x="4674240" y="1604520"/>
+            <a:ext cx="4015800" cy="1896840"/>
           </a:xfrm>
           <a:prstGeom prst="rect">
             <a:avLst/>
@@ -1600,7 +1619,7 @@
       </p:sp>
       <p:sp>
         <p:nvSpPr>
-          <p:cNvPr id="64" name="PlaceHolder 4"/>
+          <p:cNvPr id="58" name="PlaceHolder 4"/>
           <p:cNvSpPr>
             <a:spLocks noGrp="1"/>
           </p:cNvSpPr>
@@ -1610,8 +1629,8 @@
         </p:nvSpPr>
         <p:spPr>
           <a:xfrm>
-            <a:off x="457200" y="3964320"/>
-            <a:ext cx="8229240" cy="2158560"/>
+            <a:off x="457200" y="3682080"/>
+            <a:ext cx="8229240" cy="1896840"/>
           </a:xfrm>
           <a:prstGeom prst="rect">
             <a:avLst/>
@@ -1648,7 +1667,7 @@
       </p:grpSpPr>
       <p:sp>
         <p:nvSpPr>
-          <p:cNvPr id="65" name="PlaceHolder 1"/>
+          <p:cNvPr id="59" name="PlaceHolder 1"/>
           <p:cNvSpPr>
             <a:spLocks noGrp="1"/>
           </p:cNvSpPr>
@@ -1658,8 +1677,8 @@
         </p:nvSpPr>
         <p:spPr>
           <a:xfrm>
-            <a:off x="457200" y="274680"/>
-            <a:ext cx="8229240" cy="1143000"/>
+            <a:off x="457200" y="273600"/>
+            <a:ext cx="8229240" cy="1145160"/>
           </a:xfrm>
           <a:prstGeom prst="rect">
             <a:avLst/>
@@ -1668,13 +1687,14 @@
         <p:txBody>
           <a:bodyPr lIns="0" rIns="0" tIns="0" bIns="0" anchor="ctr"/>
           <a:p>
-            <a:endParaRPr/>
-          </a:p>
-        </p:txBody>
-      </p:sp>
-      <p:sp>
-        <p:nvSpPr>
-          <p:cNvPr id="66" name="PlaceHolder 2"/>
+            <a:pPr algn="ctr"/>
+            <a:endParaRPr/>
+          </a:p>
+        </p:txBody>
+      </p:sp>
+      <p:sp>
+        <p:nvSpPr>
+          <p:cNvPr id="60" name="PlaceHolder 2"/>
           <p:cNvSpPr>
             <a:spLocks noGrp="1"/>
           </p:cNvSpPr>
@@ -1684,8 +1704,8 @@
         </p:nvSpPr>
         <p:spPr>
           <a:xfrm>
-            <a:off x="457200" y="1600200"/>
-            <a:ext cx="8229240" cy="2158560"/>
+            <a:off x="457200" y="1604520"/>
+            <a:ext cx="8229240" cy="1896840"/>
           </a:xfrm>
           <a:prstGeom prst="rect">
             <a:avLst/>
@@ -1700,7 +1720,7 @@
       </p:sp>
       <p:sp>
         <p:nvSpPr>
-          <p:cNvPr id="67" name="PlaceHolder 3"/>
+          <p:cNvPr id="61" name="PlaceHolder 3"/>
           <p:cNvSpPr>
             <a:spLocks noGrp="1"/>
           </p:cNvSpPr>
@@ -1710,8 +1730,8 @@
         </p:nvSpPr>
         <p:spPr>
           <a:xfrm>
-            <a:off x="457200" y="3964320"/>
-            <a:ext cx="8229240" cy="2158560"/>
+            <a:off x="457200" y="3682080"/>
+            <a:ext cx="8229240" cy="1896840"/>
           </a:xfrm>
           <a:prstGeom prst="rect">
             <a:avLst/>
@@ -1748,7 +1768,7 @@
       </p:grpSpPr>
       <p:sp>
         <p:nvSpPr>
-          <p:cNvPr id="68" name="PlaceHolder 1"/>
+          <p:cNvPr id="62" name="PlaceHolder 1"/>
           <p:cNvSpPr>
             <a:spLocks noGrp="1"/>
           </p:cNvSpPr>
@@ -1758,8 +1778,8 @@
         </p:nvSpPr>
         <p:spPr>
           <a:xfrm>
-            <a:off x="457200" y="274680"/>
-            <a:ext cx="8229240" cy="1143000"/>
+            <a:off x="457200" y="273600"/>
+            <a:ext cx="8229240" cy="1145160"/>
           </a:xfrm>
           <a:prstGeom prst="rect">
             <a:avLst/>
@@ -1768,13 +1788,14 @@
         <p:txBody>
           <a:bodyPr lIns="0" rIns="0" tIns="0" bIns="0" anchor="ctr"/>
           <a:p>
-            <a:endParaRPr/>
-          </a:p>
-        </p:txBody>
-      </p:sp>
-      <p:sp>
-        <p:nvSpPr>
-          <p:cNvPr id="69" name="PlaceHolder 2"/>
+            <a:pPr algn="ctr"/>
+            <a:endParaRPr/>
+          </a:p>
+        </p:txBody>
+      </p:sp>
+      <p:sp>
+        <p:nvSpPr>
+          <p:cNvPr id="63" name="PlaceHolder 2"/>
           <p:cNvSpPr>
             <a:spLocks noGrp="1"/>
           </p:cNvSpPr>
@@ -1784,8 +1805,8 @@
         </p:nvSpPr>
         <p:spPr>
           <a:xfrm>
-            <a:off x="457200" y="1600200"/>
-            <a:ext cx="4015800" cy="2158560"/>
+            <a:off x="457200" y="1604520"/>
+            <a:ext cx="4015800" cy="1896840"/>
           </a:xfrm>
           <a:prstGeom prst="rect">
             <a:avLst/>
@@ -1800,7 +1821,7 @@
       </p:sp>
       <p:sp>
         <p:nvSpPr>
-          <p:cNvPr id="70" name="PlaceHolder 3"/>
+          <p:cNvPr id="64" name="PlaceHolder 3"/>
           <p:cNvSpPr>
             <a:spLocks noGrp="1"/>
           </p:cNvSpPr>
@@ -1810,8 +1831,8 @@
         </p:nvSpPr>
         <p:spPr>
           <a:xfrm>
-            <a:off x="4674240" y="1600200"/>
-            <a:ext cx="4015800" cy="2158560"/>
+            <a:off x="4674240" y="1604520"/>
+            <a:ext cx="4015800" cy="1896840"/>
           </a:xfrm>
           <a:prstGeom prst="rect">
             <a:avLst/>
@@ -1826,7 +1847,7 @@
       </p:sp>
       <p:sp>
         <p:nvSpPr>
-          <p:cNvPr id="71" name="PlaceHolder 4"/>
+          <p:cNvPr id="65" name="PlaceHolder 4"/>
           <p:cNvSpPr>
             <a:spLocks noGrp="1"/>
           </p:cNvSpPr>
@@ -1836,8 +1857,8 @@
         </p:nvSpPr>
         <p:spPr>
           <a:xfrm>
-            <a:off x="4674240" y="3964320"/>
-            <a:ext cx="4015800" cy="2158560"/>
+            <a:off x="4674240" y="3682080"/>
+            <a:ext cx="4015800" cy="1896840"/>
           </a:xfrm>
           <a:prstGeom prst="rect">
             <a:avLst/>
@@ -1852,7 +1873,7 @@
       </p:sp>
       <p:sp>
         <p:nvSpPr>
-          <p:cNvPr id="72" name="PlaceHolder 5"/>
+          <p:cNvPr id="66" name="PlaceHolder 5"/>
           <p:cNvSpPr>
             <a:spLocks noGrp="1"/>
           </p:cNvSpPr>
@@ -1862,8 +1883,8 @@
         </p:nvSpPr>
         <p:spPr>
           <a:xfrm>
-            <a:off x="457200" y="3964320"/>
-            <a:ext cx="4015800" cy="2158560"/>
+            <a:off x="457200" y="3682080"/>
+            <a:ext cx="4015800" cy="1896840"/>
           </a:xfrm>
           <a:prstGeom prst="rect">
             <a:avLst/>
@@ -1900,7 +1921,7 @@
       </p:grpSpPr>
       <p:sp>
         <p:nvSpPr>
-          <p:cNvPr id="73" name="PlaceHolder 1"/>
+          <p:cNvPr id="67" name="PlaceHolder 1"/>
           <p:cNvSpPr>
             <a:spLocks noGrp="1"/>
           </p:cNvSpPr>
@@ -1910,8 +1931,8 @@
         </p:nvSpPr>
         <p:spPr>
           <a:xfrm>
-            <a:off x="457200" y="274680"/>
-            <a:ext cx="8229240" cy="1143000"/>
+            <a:off x="457200" y="273600"/>
+            <a:ext cx="8229240" cy="1145160"/>
           </a:xfrm>
           <a:prstGeom prst="rect">
             <a:avLst/>
@@ -1920,13 +1941,14 @@
         <p:txBody>
           <a:bodyPr lIns="0" rIns="0" tIns="0" bIns="0" anchor="ctr"/>
           <a:p>
-            <a:endParaRPr/>
-          </a:p>
-        </p:txBody>
-      </p:sp>
-      <p:sp>
-        <p:nvSpPr>
-          <p:cNvPr id="74" name="PlaceHolder 2"/>
+            <a:pPr algn="ctr"/>
+            <a:endParaRPr/>
+          </a:p>
+        </p:txBody>
+      </p:sp>
+      <p:sp>
+        <p:nvSpPr>
+          <p:cNvPr id="68" name="PlaceHolder 2"/>
           <p:cNvSpPr>
             <a:spLocks noGrp="1"/>
           </p:cNvSpPr>
@@ -1936,8 +1958,8 @@
         </p:nvSpPr>
         <p:spPr>
           <a:xfrm>
-            <a:off x="457200" y="1600200"/>
-            <a:ext cx="8229240" cy="4525560"/>
+            <a:off x="457200" y="1604520"/>
+            <a:ext cx="8229240" cy="3977280"/>
           </a:xfrm>
           <a:prstGeom prst="rect">
             <a:avLst/>
@@ -1952,7 +1974,7 @@
       </p:sp>
       <p:sp>
         <p:nvSpPr>
-          <p:cNvPr id="75" name="PlaceHolder 3"/>
+          <p:cNvPr id="69" name="PlaceHolder 3"/>
           <p:cNvSpPr>
             <a:spLocks noGrp="1"/>
           </p:cNvSpPr>
@@ -1962,8 +1984,8 @@
         </p:nvSpPr>
         <p:spPr>
           <a:xfrm>
-            <a:off x="457200" y="1600200"/>
-            <a:ext cx="8229240" cy="4525560"/>
+            <a:off x="457200" y="1604520"/>
+            <a:ext cx="8229240" cy="3977280"/>
           </a:xfrm>
           <a:prstGeom prst="rect">
             <a:avLst/>
@@ -1978,7 +2000,7 @@
       </p:sp>
       <p:pic>
         <p:nvPicPr>
-          <p:cNvPr id="76" name="" descr=""/>
+          <p:cNvPr id="70" name="" descr=""/>
           <p:cNvPicPr/>
           <p:nvPr/>
         </p:nvPicPr>
@@ -1990,8 +2012,8 @@
         </p:blipFill>
         <p:spPr>
           <a:xfrm>
-            <a:off x="1735560" y="1599840"/>
-            <a:ext cx="5671800" cy="4525560"/>
+            <a:off x="2079000" y="1604520"/>
+            <a:ext cx="4984920" cy="3977280"/>
           </a:xfrm>
           <a:prstGeom prst="rect">
             <a:avLst/>
@@ -2003,7 +2025,7 @@
       </p:pic>
       <p:pic>
         <p:nvPicPr>
-          <p:cNvPr id="77" name="" descr=""/>
+          <p:cNvPr id="71" name="" descr=""/>
           <p:cNvPicPr/>
           <p:nvPr/>
         </p:nvPicPr>
@@ -2015,8 +2037,8 @@
         </p:blipFill>
         <p:spPr>
           <a:xfrm>
-            <a:off x="1735560" y="1599840"/>
-            <a:ext cx="5671800" cy="4525560"/>
+            <a:off x="2079000" y="1604520"/>
+            <a:ext cx="4984920" cy="3977280"/>
           </a:xfrm>
           <a:prstGeom prst="rect">
             <a:avLst/>
@@ -2050,7 +2072,7 @@
       </p:grpSpPr>
       <p:sp>
         <p:nvSpPr>
-          <p:cNvPr id="7" name="PlaceHolder 1"/>
+          <p:cNvPr id="4" name="PlaceHolder 1"/>
           <p:cNvSpPr>
             <a:spLocks noGrp="1"/>
           </p:cNvSpPr>
@@ -2060,8 +2082,8 @@
         </p:nvSpPr>
         <p:spPr>
           <a:xfrm>
-            <a:off x="457200" y="274680"/>
-            <a:ext cx="8229240" cy="1143000"/>
+            <a:off x="457200" y="273600"/>
+            <a:ext cx="8229240" cy="1145160"/>
           </a:xfrm>
           <a:prstGeom prst="rect">
             <a:avLst/>
@@ -2070,13 +2092,14 @@
         <p:txBody>
           <a:bodyPr lIns="0" rIns="0" tIns="0" bIns="0" anchor="ctr"/>
           <a:p>
-            <a:endParaRPr/>
-          </a:p>
-        </p:txBody>
-      </p:sp>
-      <p:sp>
-        <p:nvSpPr>
-          <p:cNvPr id="8" name="PlaceHolder 2"/>
+            <a:pPr algn="ctr"/>
+            <a:endParaRPr/>
+          </a:p>
+        </p:txBody>
+      </p:sp>
+      <p:sp>
+        <p:nvSpPr>
+          <p:cNvPr id="5" name="PlaceHolder 2"/>
           <p:cNvSpPr>
             <a:spLocks noGrp="1"/>
           </p:cNvSpPr>
@@ -2086,8 +2109,8 @@
         </p:nvSpPr>
         <p:spPr>
           <a:xfrm>
-            <a:off x="457200" y="1600200"/>
-            <a:ext cx="8229240" cy="4525560"/>
+            <a:off x="457200" y="1604520"/>
+            <a:ext cx="8229240" cy="3977280"/>
           </a:xfrm>
           <a:prstGeom prst="rect">
             <a:avLst/>
@@ -2124,7 +2147,7 @@
       </p:grpSpPr>
       <p:sp>
         <p:nvSpPr>
-          <p:cNvPr id="9" name="PlaceHolder 1"/>
+          <p:cNvPr id="6" name="PlaceHolder 1"/>
           <p:cNvSpPr>
             <a:spLocks noGrp="1"/>
           </p:cNvSpPr>
@@ -2134,8 +2157,8 @@
         </p:nvSpPr>
         <p:spPr>
           <a:xfrm>
-            <a:off x="457200" y="274680"/>
-            <a:ext cx="8229240" cy="1143000"/>
+            <a:off x="457200" y="273600"/>
+            <a:ext cx="8229240" cy="1145160"/>
           </a:xfrm>
           <a:prstGeom prst="rect">
             <a:avLst/>
@@ -2144,13 +2167,14 @@
         <p:txBody>
           <a:bodyPr lIns="0" rIns="0" tIns="0" bIns="0" anchor="ctr"/>
           <a:p>
-            <a:endParaRPr/>
-          </a:p>
-        </p:txBody>
-      </p:sp>
-      <p:sp>
-        <p:nvSpPr>
-          <p:cNvPr id="10" name="PlaceHolder 2"/>
+            <a:pPr algn="ctr"/>
+            <a:endParaRPr/>
+          </a:p>
+        </p:txBody>
+      </p:sp>
+      <p:sp>
+        <p:nvSpPr>
+          <p:cNvPr id="7" name="PlaceHolder 2"/>
           <p:cNvSpPr>
             <a:spLocks noGrp="1"/>
           </p:cNvSpPr>
@@ -2160,8 +2184,8 @@
         </p:nvSpPr>
         <p:spPr>
           <a:xfrm>
-            <a:off x="457200" y="1600200"/>
-            <a:ext cx="4015800" cy="4525560"/>
+            <a:off x="457200" y="1604520"/>
+            <a:ext cx="4015800" cy="3977280"/>
           </a:xfrm>
           <a:prstGeom prst="rect">
             <a:avLst/>
@@ -2176,7 +2200,7 @@
       </p:sp>
       <p:sp>
         <p:nvSpPr>
-          <p:cNvPr id="11" name="PlaceHolder 3"/>
+          <p:cNvPr id="8" name="PlaceHolder 3"/>
           <p:cNvSpPr>
             <a:spLocks noGrp="1"/>
           </p:cNvSpPr>
@@ -2186,8 +2210,8 @@
         </p:nvSpPr>
         <p:spPr>
           <a:xfrm>
-            <a:off x="4674240" y="1600200"/>
-            <a:ext cx="4015800" cy="4525560"/>
+            <a:off x="4674240" y="1604520"/>
+            <a:ext cx="4015800" cy="3977280"/>
           </a:xfrm>
           <a:prstGeom prst="rect">
             <a:avLst/>
@@ -2224,7 +2248,7 @@
       </p:grpSpPr>
       <p:sp>
         <p:nvSpPr>
-          <p:cNvPr id="12" name="PlaceHolder 1"/>
+          <p:cNvPr id="9" name="PlaceHolder 1"/>
           <p:cNvSpPr>
             <a:spLocks noGrp="1"/>
           </p:cNvSpPr>
@@ -2234,8 +2258,8 @@
         </p:nvSpPr>
         <p:spPr>
           <a:xfrm>
-            <a:off x="457200" y="274680"/>
-            <a:ext cx="8229240" cy="1143000"/>
+            <a:off x="457200" y="273600"/>
+            <a:ext cx="8229240" cy="1145160"/>
           </a:xfrm>
           <a:prstGeom prst="rect">
             <a:avLst/>
@@ -2244,6 +2268,7 @@
         <p:txBody>
           <a:bodyPr lIns="0" rIns="0" tIns="0" bIns="0" anchor="ctr"/>
           <a:p>
+            <a:pPr algn="ctr"/>
             <a:endParaRPr/>
           </a:p>
         </p:txBody>
@@ -2272,7 +2297,7 @@
       </p:grpSpPr>
       <p:sp>
         <p:nvSpPr>
-          <p:cNvPr id="13" name="PlaceHolder 1"/>
+          <p:cNvPr id="10" name="PlaceHolder 1"/>
           <p:cNvSpPr>
             <a:spLocks noGrp="1"/>
           </p:cNvSpPr>
@@ -2282,8 +2307,8 @@
         </p:nvSpPr>
         <p:spPr>
           <a:xfrm>
-            <a:off x="457200" y="274680"/>
-            <a:ext cx="8229240" cy="5298120"/>
+            <a:off x="457200" y="273600"/>
+            <a:ext cx="8229240" cy="5308200"/>
           </a:xfrm>
           <a:prstGeom prst="rect">
             <a:avLst/>
@@ -2321,7 +2346,7 @@
       </p:grpSpPr>
       <p:sp>
         <p:nvSpPr>
-          <p:cNvPr id="14" name="PlaceHolder 1"/>
+          <p:cNvPr id="11" name="PlaceHolder 1"/>
           <p:cNvSpPr>
             <a:spLocks noGrp="1"/>
           </p:cNvSpPr>
@@ -2331,8 +2356,8 @@
         </p:nvSpPr>
         <p:spPr>
           <a:xfrm>
-            <a:off x="457200" y="274680"/>
-            <a:ext cx="8229240" cy="1143000"/>
+            <a:off x="457200" y="273600"/>
+            <a:ext cx="8229240" cy="1145160"/>
           </a:xfrm>
           <a:prstGeom prst="rect">
             <a:avLst/>
@@ -2341,13 +2366,14 @@
         <p:txBody>
           <a:bodyPr lIns="0" rIns="0" tIns="0" bIns="0" anchor="ctr"/>
           <a:p>
-            <a:endParaRPr/>
-          </a:p>
-        </p:txBody>
-      </p:sp>
-      <p:sp>
-        <p:nvSpPr>
-          <p:cNvPr id="15" name="PlaceHolder 2"/>
+            <a:pPr algn="ctr"/>
+            <a:endParaRPr/>
+          </a:p>
+        </p:txBody>
+      </p:sp>
+      <p:sp>
+        <p:nvSpPr>
+          <p:cNvPr id="12" name="PlaceHolder 2"/>
           <p:cNvSpPr>
             <a:spLocks noGrp="1"/>
           </p:cNvSpPr>
@@ -2357,8 +2383,8 @@
         </p:nvSpPr>
         <p:spPr>
           <a:xfrm>
-            <a:off x="457200" y="1600200"/>
-            <a:ext cx="4015800" cy="2158560"/>
+            <a:off x="457200" y="1604520"/>
+            <a:ext cx="4015800" cy="1896840"/>
           </a:xfrm>
           <a:prstGeom prst="rect">
             <a:avLst/>
@@ -2373,7 +2399,7 @@
       </p:sp>
       <p:sp>
         <p:nvSpPr>
-          <p:cNvPr id="16" name="PlaceHolder 3"/>
+          <p:cNvPr id="13" name="PlaceHolder 3"/>
           <p:cNvSpPr>
             <a:spLocks noGrp="1"/>
           </p:cNvSpPr>
@@ -2383,8 +2409,8 @@
         </p:nvSpPr>
         <p:spPr>
           <a:xfrm>
-            <a:off x="457200" y="3964320"/>
-            <a:ext cx="4015800" cy="2158560"/>
+            <a:off x="457200" y="3682080"/>
+            <a:ext cx="4015800" cy="1896840"/>
           </a:xfrm>
           <a:prstGeom prst="rect">
             <a:avLst/>
@@ -2399,7 +2425,7 @@
       </p:sp>
       <p:sp>
         <p:nvSpPr>
-          <p:cNvPr id="17" name="PlaceHolder 4"/>
+          <p:cNvPr id="14" name="PlaceHolder 4"/>
           <p:cNvSpPr>
             <a:spLocks noGrp="1"/>
           </p:cNvSpPr>
@@ -2409,8 +2435,8 @@
         </p:nvSpPr>
         <p:spPr>
           <a:xfrm>
-            <a:off x="4674240" y="1600200"/>
-            <a:ext cx="4015800" cy="4525560"/>
+            <a:off x="4674240" y="1604520"/>
+            <a:ext cx="4015800" cy="3977280"/>
           </a:xfrm>
           <a:prstGeom prst="rect">
             <a:avLst/>
@@ -2447,7 +2473,7 @@
       </p:grpSpPr>
       <p:sp>
         <p:nvSpPr>
-          <p:cNvPr id="18" name="PlaceHolder 1"/>
+          <p:cNvPr id="15" name="PlaceHolder 1"/>
           <p:cNvSpPr>
             <a:spLocks noGrp="1"/>
           </p:cNvSpPr>
@@ -2457,8 +2483,8 @@
         </p:nvSpPr>
         <p:spPr>
           <a:xfrm>
-            <a:off x="457200" y="274680"/>
-            <a:ext cx="8229240" cy="1143000"/>
+            <a:off x="457200" y="273600"/>
+            <a:ext cx="8229240" cy="1145160"/>
           </a:xfrm>
           <a:prstGeom prst="rect">
             <a:avLst/>
@@ -2467,13 +2493,14 @@
         <p:txBody>
           <a:bodyPr lIns="0" rIns="0" tIns="0" bIns="0" anchor="ctr"/>
           <a:p>
-            <a:endParaRPr/>
-          </a:p>
-        </p:txBody>
-      </p:sp>
-      <p:sp>
-        <p:nvSpPr>
-          <p:cNvPr id="19" name="PlaceHolder 2"/>
+            <a:pPr algn="ctr"/>
+            <a:endParaRPr/>
+          </a:p>
+        </p:txBody>
+      </p:sp>
+      <p:sp>
+        <p:nvSpPr>
+          <p:cNvPr id="16" name="PlaceHolder 2"/>
           <p:cNvSpPr>
             <a:spLocks noGrp="1"/>
           </p:cNvSpPr>
@@ -2483,8 +2510,8 @@
         </p:nvSpPr>
         <p:spPr>
           <a:xfrm>
-            <a:off x="457200" y="1600200"/>
-            <a:ext cx="4015800" cy="4525560"/>
+            <a:off x="457200" y="1604520"/>
+            <a:ext cx="4015800" cy="3977280"/>
           </a:xfrm>
           <a:prstGeom prst="rect">
             <a:avLst/>
@@ -2499,7 +2526,7 @@
       </p:sp>
       <p:sp>
         <p:nvSpPr>
-          <p:cNvPr id="20" name="PlaceHolder 3"/>
+          <p:cNvPr id="17" name="PlaceHolder 3"/>
           <p:cNvSpPr>
             <a:spLocks noGrp="1"/>
           </p:cNvSpPr>
@@ -2509,8 +2536,8 @@
         </p:nvSpPr>
         <p:spPr>
           <a:xfrm>
-            <a:off x="4674240" y="1600200"/>
-            <a:ext cx="4015800" cy="2158560"/>
+            <a:off x="4674240" y="1604520"/>
+            <a:ext cx="4015800" cy="1896840"/>
           </a:xfrm>
           <a:prstGeom prst="rect">
             <a:avLst/>
@@ -2525,7 +2552,7 @@
       </p:sp>
       <p:sp>
         <p:nvSpPr>
-          <p:cNvPr id="21" name="PlaceHolder 4"/>
+          <p:cNvPr id="18" name="PlaceHolder 4"/>
           <p:cNvSpPr>
             <a:spLocks noGrp="1"/>
           </p:cNvSpPr>
@@ -2535,8 +2562,8 @@
         </p:nvSpPr>
         <p:spPr>
           <a:xfrm>
-            <a:off x="4674240" y="3964320"/>
-            <a:ext cx="4015800" cy="2158560"/>
+            <a:off x="4674240" y="3682080"/>
+            <a:ext cx="4015800" cy="1896840"/>
           </a:xfrm>
           <a:prstGeom prst="rect">
             <a:avLst/>
@@ -2573,7 +2600,7 @@
       </p:grpSpPr>
       <p:sp>
         <p:nvSpPr>
-          <p:cNvPr id="22" name="PlaceHolder 1"/>
+          <p:cNvPr id="19" name="PlaceHolder 1"/>
           <p:cNvSpPr>
             <a:spLocks noGrp="1"/>
           </p:cNvSpPr>
@@ -2583,8 +2610,8 @@
         </p:nvSpPr>
         <p:spPr>
           <a:xfrm>
-            <a:off x="457200" y="274680"/>
-            <a:ext cx="8229240" cy="1143000"/>
+            <a:off x="457200" y="273600"/>
+            <a:ext cx="8229240" cy="1145160"/>
           </a:xfrm>
           <a:prstGeom prst="rect">
             <a:avLst/>
@@ -2593,13 +2620,14 @@
         <p:txBody>
           <a:bodyPr lIns="0" rIns="0" tIns="0" bIns="0" anchor="ctr"/>
           <a:p>
-            <a:endParaRPr/>
-          </a:p>
-        </p:txBody>
-      </p:sp>
-      <p:sp>
-        <p:nvSpPr>
-          <p:cNvPr id="23" name="PlaceHolder 2"/>
+            <a:pPr algn="ctr"/>
+            <a:endParaRPr/>
+          </a:p>
+        </p:txBody>
+      </p:sp>
+      <p:sp>
+        <p:nvSpPr>
+          <p:cNvPr id="20" name="PlaceHolder 2"/>
           <p:cNvSpPr>
             <a:spLocks noGrp="1"/>
           </p:cNvSpPr>
@@ -2609,8 +2637,8 @@
         </p:nvSpPr>
         <p:spPr>
           <a:xfrm>
-            <a:off x="457200" y="1600200"/>
-            <a:ext cx="4015800" cy="2158560"/>
+            <a:off x="457200" y="1604520"/>
+            <a:ext cx="4015800" cy="1896840"/>
           </a:xfrm>
           <a:prstGeom prst="rect">
             <a:avLst/>
@@ -2625,7 +2653,7 @@
       </p:sp>
       <p:sp>
         <p:nvSpPr>
-          <p:cNvPr id="24" name="PlaceHolder 3"/>
+          <p:cNvPr id="21" name="PlaceHolder 3"/>
           <p:cNvSpPr>
             <a:spLocks noGrp="1"/>
           </p:cNvSpPr>
@@ -2635,8 +2663,8 @@
         </p:nvSpPr>
         <p:spPr>
           <a:xfrm>
-            <a:off x="4674240" y="1600200"/>
-            <a:ext cx="4015800" cy="2158560"/>
+            <a:off x="4674240" y="1604520"/>
+            <a:ext cx="4015800" cy="1896840"/>
           </a:xfrm>
           <a:prstGeom prst="rect">
             <a:avLst/>
@@ -2651,7 +2679,7 @@
       </p:sp>
       <p:sp>
         <p:nvSpPr>
-          <p:cNvPr id="25" name="PlaceHolder 4"/>
+          <p:cNvPr id="22" name="PlaceHolder 4"/>
           <p:cNvSpPr>
             <a:spLocks noGrp="1"/>
           </p:cNvSpPr>
@@ -2661,8 +2689,8 @@
         </p:nvSpPr>
         <p:spPr>
           <a:xfrm>
-            <a:off x="457200" y="3964320"/>
-            <a:ext cx="8229240" cy="2158560"/>
+            <a:off x="457200" y="3682080"/>
+            <a:ext cx="8229240" cy="1896840"/>
           </a:xfrm>
           <a:prstGeom prst="rect">
             <a:avLst/>
@@ -2716,29 +2744,22 @@
         </p:nvSpPr>
         <p:spPr>
           <a:xfrm>
-            <a:off x="685800" y="2130480"/>
-            <a:ext cx="7772040" cy="1469520"/>
-          </a:xfrm>
-          <a:prstGeom prst="rect">
-            <a:avLst/>
-          </a:prstGeom>
-        </p:spPr>
-        <p:txBody>
-          <a:bodyPr anchor="ctr"/>
-          <a:p>
-            <a:pPr algn="ctr">
-              <a:lnSpc>
-                <a:spcPct val="100000"/>
-              </a:lnSpc>
-            </a:pPr>
+            <a:off x="457200" y="273600"/>
+            <a:ext cx="8229240" cy="1144800"/>
+          </a:xfrm>
+          <a:prstGeom prst="rect">
+            <a:avLst/>
+          </a:prstGeom>
+        </p:spPr>
+        <p:txBody>
+          <a:bodyPr lIns="0" rIns="0" tIns="0" bIns="0" anchor="ctr"/>
+          <a:p>
+            <a:pPr algn="ctr"/>
             <a:r>
               <a:rPr lang="pl-PL" sz="4400">
-                <a:solidFill>
-                  <a:srgbClr val="000000"/>
-                </a:solidFill>
-                <a:latin typeface="Calibri"/>
+                <a:latin typeface="Arial"/>
               </a:rPr>
-              <a:t>Click to edit the title text formatKliknij, aby edytować styl</a:t>
+              <a:t>Click to edit the title text format</a:t>
             </a:r>
             <a:endParaRPr/>
           </a:p>
@@ -2747,112 +2768,6 @@
       <p:sp>
         <p:nvSpPr>
           <p:cNvPr id="1" name="PlaceHolder 2"/>
-          <p:cNvSpPr>
-            <a:spLocks noGrp="1"/>
-          </p:cNvSpPr>
-          <p:nvPr>
-            <p:ph type="dt"/>
-          </p:nvPr>
-        </p:nvSpPr>
-        <p:spPr>
-          <a:xfrm>
-            <a:off x="457200" y="6356520"/>
-            <a:ext cx="2133360" cy="364680"/>
-          </a:xfrm>
-          <a:prstGeom prst="rect">
-            <a:avLst/>
-          </a:prstGeom>
-        </p:spPr>
-        <p:txBody>
-          <a:bodyPr anchor="ctr"/>
-          <a:p>
-            <a:pPr>
-              <a:lnSpc>
-                <a:spcPct val="100000"/>
-              </a:lnSpc>
-            </a:pPr>
-            <a:r>
-              <a:rPr lang="pl-PL" sz="1200">
-                <a:solidFill>
-                  <a:srgbClr val="8b8b8b"/>
-                </a:solidFill>
-                <a:latin typeface="Calibri"/>
-              </a:rPr>
-              <a:t>15-1-26</a:t>
-            </a:r>
-            <a:endParaRPr/>
-          </a:p>
-        </p:txBody>
-      </p:sp>
-      <p:sp>
-        <p:nvSpPr>
-          <p:cNvPr id="2" name="PlaceHolder 3"/>
-          <p:cNvSpPr>
-            <a:spLocks noGrp="1"/>
-          </p:cNvSpPr>
-          <p:nvPr>
-            <p:ph type="ftr"/>
-          </p:nvPr>
-        </p:nvSpPr>
-        <p:spPr>
-          <a:xfrm>
-            <a:off x="3124080" y="6356520"/>
-            <a:ext cx="2895120" cy="364680"/>
-          </a:xfrm>
-          <a:prstGeom prst="rect">
-            <a:avLst/>
-          </a:prstGeom>
-        </p:spPr>
-        <p:txBody>
-          <a:bodyPr anchor="ctr"/>
-          <a:p>
-            <a:endParaRPr/>
-          </a:p>
-        </p:txBody>
-      </p:sp>
-      <p:sp>
-        <p:nvSpPr>
-          <p:cNvPr id="3" name="PlaceHolder 4"/>
-          <p:cNvSpPr>
-            <a:spLocks noGrp="1"/>
-          </p:cNvSpPr>
-          <p:nvPr>
-            <p:ph type="sldNum"/>
-          </p:nvPr>
-        </p:nvSpPr>
-        <p:spPr>
-          <a:xfrm>
-            <a:off x="6553080" y="6356520"/>
-            <a:ext cx="2133360" cy="364680"/>
-          </a:xfrm>
-          <a:prstGeom prst="rect">
-            <a:avLst/>
-          </a:prstGeom>
-        </p:spPr>
-        <p:txBody>
-          <a:bodyPr anchor="ctr"/>
-          <a:p>
-            <a:pPr algn="r">
-              <a:lnSpc>
-                <a:spcPct val="100000"/>
-              </a:lnSpc>
-            </a:pPr>
-            <a:fld id="{FD30BB7C-5979-491C-86CE-263422192CE6}" type="slidenum">
-              <a:rPr lang="pl-PL" sz="1200">
-                <a:solidFill>
-                  <a:srgbClr val="8b8b8b"/>
-                </a:solidFill>
-                <a:latin typeface="Calibri"/>
-              </a:rPr>
-              <a:t>&lt;number&gt;</a:t>
-            </a:fld>
-            <a:endParaRPr/>
-          </a:p>
-        </p:txBody>
-      </p:sp>
-      <p:sp>
-        <p:nvSpPr>
-          <p:cNvPr id="4" name="PlaceHolder 5"/>
           <p:cNvSpPr>
             <a:spLocks noGrp="1"/>
           </p:cNvSpPr>
@@ -2879,7 +2794,7 @@
             </a:pPr>
             <a:r>
               <a:rPr lang="pl-PL" sz="3200">
-                <a:latin typeface="Calibri"/>
+                <a:latin typeface="Arial"/>
               </a:rPr>
               <a:t>Click to edit the outline text format</a:t>
             </a:r>
@@ -2892,8 +2807,8 @@
               <a:buChar char=""/>
             </a:pPr>
             <a:r>
-              <a:rPr lang="pl-PL" sz="2400">
-                <a:latin typeface="Calibri"/>
+              <a:rPr lang="pl-PL" sz="2800">
+                <a:latin typeface="Arial"/>
               </a:rPr>
               <a:t>Second Outline Level</a:t>
             </a:r>
@@ -2906,8 +2821,8 @@
               <a:buChar char=""/>
             </a:pPr>
             <a:r>
-              <a:rPr lang="pl-PL" sz="2000">
-                <a:latin typeface="Calibri"/>
+              <a:rPr lang="pl-PL" sz="2400">
+                <a:latin typeface="Arial"/>
               </a:rPr>
               <a:t>Third Outline Level</a:t>
             </a:r>
@@ -2921,7 +2836,7 @@
             </a:pPr>
             <a:r>
               <a:rPr lang="pl-PL" sz="2000">
-                <a:latin typeface="Calibri"/>
+                <a:latin typeface="Arial"/>
               </a:rPr>
               <a:t>Fourth Outline Level</a:t>
             </a:r>
@@ -2935,7 +2850,7 @@
             </a:pPr>
             <a:r>
               <a:rPr lang="pl-PL" sz="2000">
-                <a:latin typeface="Calibri"/>
+                <a:latin typeface="Arial"/>
               </a:rPr>
               <a:t>Fifth Outline Level</a:t>
             </a:r>
@@ -2949,7 +2864,7 @@
             </a:pPr>
             <a:r>
               <a:rPr lang="pl-PL" sz="2000">
-                <a:latin typeface="Calibri"/>
+                <a:latin typeface="Arial"/>
               </a:rPr>
               <a:t>Sixth Outline Level</a:t>
             </a:r>
@@ -2963,7 +2878,7 @@
             </a:pPr>
             <a:r>
               <a:rPr lang="pl-PL" sz="2000">
-                <a:latin typeface="Calibri"/>
+                <a:latin typeface="Arial"/>
               </a:rPr>
               <a:t>Seventh Outline Level</a:t>
             </a:r>
@@ -3017,7 +2932,7 @@
       </p:grpSpPr>
       <p:sp>
         <p:nvSpPr>
-          <p:cNvPr id="39" name="PlaceHolder 1"/>
+          <p:cNvPr id="36" name="PlaceHolder 1"/>
           <p:cNvSpPr>
             <a:spLocks noGrp="1"/>
           </p:cNvSpPr>
@@ -3027,29 +2942,22 @@
         </p:nvSpPr>
         <p:spPr>
           <a:xfrm>
-            <a:off x="457200" y="274680"/>
-            <a:ext cx="8229240" cy="1142640"/>
-          </a:xfrm>
-          <a:prstGeom prst="rect">
-            <a:avLst/>
-          </a:prstGeom>
-        </p:spPr>
-        <p:txBody>
-          <a:bodyPr anchor="ctr"/>
-          <a:p>
-            <a:pPr algn="ctr">
-              <a:lnSpc>
-                <a:spcPct val="100000"/>
-              </a:lnSpc>
-            </a:pPr>
+            <a:off x="457200" y="273600"/>
+            <a:ext cx="8229240" cy="1144800"/>
+          </a:xfrm>
+          <a:prstGeom prst="rect">
+            <a:avLst/>
+          </a:prstGeom>
+        </p:spPr>
+        <p:txBody>
+          <a:bodyPr lIns="0" rIns="0" tIns="0" bIns="0" anchor="ctr"/>
+          <a:p>
+            <a:pPr algn="ctr"/>
             <a:r>
               <a:rPr lang="pl-PL" sz="4400">
-                <a:solidFill>
-                  <a:srgbClr val="000000"/>
-                </a:solidFill>
-                <a:latin typeface="Calibri"/>
+                <a:latin typeface="Arial"/>
               </a:rPr>
-              <a:t>Click to edit the title text formatKliknij, aby edytować styl</a:t>
+              <a:t>Click to edit the title text format</a:t>
             </a:r>
             <a:endParaRPr/>
           </a:p>
@@ -3057,7 +2965,7 @@
       </p:sp>
       <p:sp>
         <p:nvSpPr>
-          <p:cNvPr id="40" name="PlaceHolder 2"/>
+          <p:cNvPr id="37" name="PlaceHolder 2"/>
           <p:cNvSpPr>
             <a:spLocks noGrp="1"/>
           </p:cNvSpPr>
@@ -3067,15 +2975,15 @@
         </p:nvSpPr>
         <p:spPr>
           <a:xfrm>
-            <a:off x="457200" y="1600200"/>
-            <a:ext cx="8229240" cy="4525560"/>
-          </a:xfrm>
-          <a:prstGeom prst="rect">
-            <a:avLst/>
-          </a:prstGeom>
-        </p:spPr>
-        <p:txBody>
-          <a:bodyPr/>
+            <a:off x="457200" y="1604520"/>
+            <a:ext cx="8229240" cy="3977280"/>
+          </a:xfrm>
+          <a:prstGeom prst="rect">
+            <a:avLst/>
+          </a:prstGeom>
+        </p:spPr>
+        <p:txBody>
+          <a:bodyPr lIns="0" rIns="0" tIns="0" bIns="0"/>
           <a:p>
             <a:pPr>
               <a:buSzPct val="45000"/>
@@ -3084,10 +2992,7 @@
             </a:pPr>
             <a:r>
               <a:rPr lang="pl-PL" sz="3200">
-                <a:solidFill>
-                  <a:srgbClr val="000000"/>
-                </a:solidFill>
-                <a:latin typeface="Calibri"/>
+                <a:latin typeface="Arial"/>
               </a:rPr>
               <a:t>Click to edit the outline text format</a:t>
             </a:r>
@@ -3100,11 +3005,8 @@
               <a:buChar char=""/>
             </a:pPr>
             <a:r>
-              <a:rPr lang="pl-PL" sz="3200">
-                <a:solidFill>
-                  <a:srgbClr val="000000"/>
-                </a:solidFill>
-                <a:latin typeface="Calibri"/>
+              <a:rPr lang="pl-PL" sz="2800">
+                <a:latin typeface="Arial"/>
               </a:rPr>
               <a:t>Second Outline Level</a:t>
             </a:r>
@@ -3117,11 +3019,8 @@
               <a:buChar char=""/>
             </a:pPr>
             <a:r>
-              <a:rPr lang="pl-PL" sz="3200">
-                <a:solidFill>
-                  <a:srgbClr val="000000"/>
-                </a:solidFill>
-                <a:latin typeface="Calibri"/>
+              <a:rPr lang="pl-PL" sz="2400">
+                <a:latin typeface="Arial"/>
               </a:rPr>
               <a:t>Third Outline Level</a:t>
             </a:r>
@@ -3134,11 +3033,8 @@
               <a:buChar char=""/>
             </a:pPr>
             <a:r>
-              <a:rPr lang="pl-PL" sz="3200">
-                <a:solidFill>
-                  <a:srgbClr val="000000"/>
-                </a:solidFill>
-                <a:latin typeface="Calibri"/>
+              <a:rPr lang="pl-PL" sz="2000">
+                <a:latin typeface="Arial"/>
               </a:rPr>
               <a:t>Fourth Outline Level</a:t>
             </a:r>
@@ -3151,11 +3047,8 @@
               <a:buChar char=""/>
             </a:pPr>
             <a:r>
-              <a:rPr lang="pl-PL" sz="3200">
-                <a:solidFill>
-                  <a:srgbClr val="000000"/>
-                </a:solidFill>
-                <a:latin typeface="Calibri"/>
+              <a:rPr lang="pl-PL" sz="2000">
+                <a:latin typeface="Arial"/>
               </a:rPr>
               <a:t>Fifth Outline Level</a:t>
             </a:r>
@@ -3168,215 +3061,25 @@
               <a:buChar char=""/>
             </a:pPr>
             <a:r>
-              <a:rPr lang="pl-PL" sz="3200">
-                <a:solidFill>
-                  <a:srgbClr val="000000"/>
-                </a:solidFill>
-                <a:latin typeface="Calibri"/>
+              <a:rPr lang="pl-PL" sz="2000">
+                <a:latin typeface="Arial"/>
               </a:rPr>
               <a:t>Sixth Outline Level</a:t>
             </a:r>
             <a:endParaRPr/>
           </a:p>
           <a:p>
-            <a:pPr>
-              <a:lnSpc>
-                <a:spcPct val="100000"/>
-              </a:lnSpc>
-              <a:buFont typeface="Arial"/>
-              <a:buChar char="•"/>
-            </a:pPr>
-            <a:r>
-              <a:rPr lang="pl-PL" sz="3200">
-                <a:solidFill>
-                  <a:srgbClr val="000000"/>
-                </a:solidFill>
-                <a:latin typeface="Calibri"/>
-              </a:rPr>
-              <a:t>Seventh Outline LevelKliknij, aby edytować style wzorca tekstu</a:t>
-            </a:r>
-            <a:endParaRPr/>
-          </a:p>
-          <a:p>
-            <a:pPr lvl="1">
-              <a:lnSpc>
-                <a:spcPct val="100000"/>
-              </a:lnSpc>
-              <a:buFont typeface="Arial"/>
-              <a:buChar char="–"/>
-            </a:pPr>
-            <a:r>
-              <a:rPr lang="pl-PL" sz="2800">
-                <a:solidFill>
-                  <a:srgbClr val="000000"/>
-                </a:solidFill>
-                <a:latin typeface="Calibri"/>
-              </a:rPr>
-              <a:t>Drugi poziom</a:t>
-            </a:r>
-            <a:endParaRPr/>
-          </a:p>
-          <a:p>
-            <a:pPr lvl="2">
-              <a:lnSpc>
-                <a:spcPct val="100000"/>
-              </a:lnSpc>
-              <a:buFont typeface="Arial"/>
-              <a:buChar char="•"/>
-            </a:pPr>
-            <a:r>
-              <a:rPr lang="pl-PL" sz="2400">
-                <a:solidFill>
-                  <a:srgbClr val="000000"/>
-                </a:solidFill>
-                <a:latin typeface="Calibri"/>
-              </a:rPr>
-              <a:t>Trzeci poziom</a:t>
-            </a:r>
-            <a:endParaRPr/>
-          </a:p>
-          <a:p>
-            <a:pPr lvl="3">
-              <a:lnSpc>
-                <a:spcPct val="100000"/>
-              </a:lnSpc>
-              <a:buFont typeface="Arial"/>
-              <a:buChar char="–"/>
+            <a:pPr lvl="6">
+              <a:buSzPct val="45000"/>
+              <a:buFont typeface="StarSymbol"/>
+              <a:buChar char=""/>
             </a:pPr>
             <a:r>
               <a:rPr lang="pl-PL" sz="2000">
-                <a:solidFill>
-                  <a:srgbClr val="000000"/>
-                </a:solidFill>
-                <a:latin typeface="Calibri"/>
+                <a:latin typeface="Arial"/>
               </a:rPr>
-              <a:t>Czwarty poziom</a:t>
+              <a:t>Seventh Outline Level</a:t>
             </a:r>
-            <a:endParaRPr/>
-          </a:p>
-          <a:p>
-            <a:pPr lvl="4">
-              <a:lnSpc>
-                <a:spcPct val="100000"/>
-              </a:lnSpc>
-              <a:buFont typeface="Arial"/>
-              <a:buChar char="»"/>
-            </a:pPr>
-            <a:r>
-              <a:rPr lang="pl-PL" sz="2000">
-                <a:solidFill>
-                  <a:srgbClr val="000000"/>
-                </a:solidFill>
-                <a:latin typeface="Calibri"/>
-              </a:rPr>
-              <a:t>Piąty poziom</a:t>
-            </a:r>
-            <a:endParaRPr/>
-          </a:p>
-        </p:txBody>
-      </p:sp>
-      <p:sp>
-        <p:nvSpPr>
-          <p:cNvPr id="41" name="PlaceHolder 3"/>
-          <p:cNvSpPr>
-            <a:spLocks noGrp="1"/>
-          </p:cNvSpPr>
-          <p:nvPr>
-            <p:ph type="dt"/>
-          </p:nvPr>
-        </p:nvSpPr>
-        <p:spPr>
-          <a:xfrm>
-            <a:off x="457200" y="6356520"/>
-            <a:ext cx="2133360" cy="364680"/>
-          </a:xfrm>
-          <a:prstGeom prst="rect">
-            <a:avLst/>
-          </a:prstGeom>
-        </p:spPr>
-        <p:txBody>
-          <a:bodyPr anchor="ctr"/>
-          <a:p>
-            <a:pPr>
-              <a:lnSpc>
-                <a:spcPct val="100000"/>
-              </a:lnSpc>
-            </a:pPr>
-            <a:r>
-              <a:rPr lang="pl-PL" sz="1200">
-                <a:solidFill>
-                  <a:srgbClr val="8b8b8b"/>
-                </a:solidFill>
-                <a:latin typeface="Calibri"/>
-              </a:rPr>
-              <a:t>15-1-26</a:t>
-            </a:r>
-            <a:endParaRPr/>
-          </a:p>
-        </p:txBody>
-      </p:sp>
-      <p:sp>
-        <p:nvSpPr>
-          <p:cNvPr id="42" name="PlaceHolder 4"/>
-          <p:cNvSpPr>
-            <a:spLocks noGrp="1"/>
-          </p:cNvSpPr>
-          <p:nvPr>
-            <p:ph type="ftr"/>
-          </p:nvPr>
-        </p:nvSpPr>
-        <p:spPr>
-          <a:xfrm>
-            <a:off x="3124080" y="6356520"/>
-            <a:ext cx="2895120" cy="364680"/>
-          </a:xfrm>
-          <a:prstGeom prst="rect">
-            <a:avLst/>
-          </a:prstGeom>
-        </p:spPr>
-        <p:txBody>
-          <a:bodyPr anchor="ctr"/>
-          <a:p>
-            <a:endParaRPr/>
-          </a:p>
-        </p:txBody>
-      </p:sp>
-      <p:sp>
-        <p:nvSpPr>
-          <p:cNvPr id="43" name="PlaceHolder 5"/>
-          <p:cNvSpPr>
-            <a:spLocks noGrp="1"/>
-          </p:cNvSpPr>
-          <p:nvPr>
-            <p:ph type="sldNum"/>
-          </p:nvPr>
-        </p:nvSpPr>
-        <p:spPr>
-          <a:xfrm>
-            <a:off x="6553080" y="6356520"/>
-            <a:ext cx="2133360" cy="364680"/>
-          </a:xfrm>
-          <a:prstGeom prst="rect">
-            <a:avLst/>
-          </a:prstGeom>
-        </p:spPr>
-        <p:txBody>
-          <a:bodyPr anchor="ctr"/>
-          <a:p>
-            <a:pPr algn="r">
-              <a:lnSpc>
-                <a:spcPct val="100000"/>
-              </a:lnSpc>
-            </a:pPr>
-            <a:fld id="{B5006F74-43EC-433F-AF31-A002BD5AAAFD}" type="slidenum">
-              <a:rPr lang="pl-PL" sz="1200">
-                <a:solidFill>
-                  <a:srgbClr val="8b8b8b"/>
-                </a:solidFill>
-                <a:latin typeface="Calibri"/>
-              </a:rPr>
-              <a:t>&lt;number&gt;</a:t>
-            </a:fld>
             <a:endParaRPr/>
           </a:p>
         </p:txBody>
@@ -3420,21 +3123,25 @@
       </p:grpSpPr>
       <p:sp>
         <p:nvSpPr>
-          <p:cNvPr id="83" name="TextShape 1"/>
-          <p:cNvSpPr txBox="1"/>
+          <p:cNvPr id="77" name="CustomShape 1"/>
+          <p:cNvSpPr/>
           <p:nvPr/>
         </p:nvSpPr>
         <p:spPr>
           <a:xfrm>
             <a:off x="685800" y="2130480"/>
-            <a:ext cx="7772040" cy="1469520"/>
-          </a:xfrm>
-          <a:prstGeom prst="rect">
-            <a:avLst/>
-          </a:prstGeom>
-        </p:spPr>
-        <p:txBody>
-          <a:bodyPr anchor="ctr"/>
+            <a:ext cx="7770960" cy="1468440"/>
+          </a:xfrm>
+          <a:prstGeom prst="rect">
+            <a:avLst/>
+          </a:prstGeom>
+          <a:noFill/>
+          <a:ln>
+            <a:noFill/>
+          </a:ln>
+        </p:spPr>
+        <p:txBody>
+          <a:bodyPr lIns="90000" rIns="90000" tIns="45000" bIns="45000" anchor="ctr"/>
           <a:p>
             <a:pPr algn="ctr">
               <a:lnSpc>
@@ -3456,26 +3163,23 @@
       </p:sp>
       <p:sp>
         <p:nvSpPr>
-          <p:cNvPr id="84" name="TextShape 2"/>
-          <p:cNvSpPr txBox="1"/>
+          <p:cNvPr id="78" name="CustomShape 2"/>
+          <p:cNvSpPr/>
           <p:nvPr/>
         </p:nvSpPr>
         <p:spPr>
           <a:xfrm>
             <a:off x="1371600" y="3886200"/>
-            <a:ext cx="6400440" cy="1752120"/>
-          </a:xfrm>
-          <a:prstGeom prst="rect">
-            <a:avLst/>
-          </a:prstGeom>
-        </p:spPr>
-        <p:txBody>
-          <a:bodyPr/>
-          <a:p>
-            <a:pPr algn="ctr"/>
-            <a:endParaRPr/>
-          </a:p>
-        </p:txBody>
+            <a:ext cx="6399360" cy="1751040"/>
+          </a:xfrm>
+          <a:prstGeom prst="rect">
+            <a:avLst/>
+          </a:prstGeom>
+          <a:noFill/>
+          <a:ln>
+            <a:noFill/>
+          </a:ln>
+        </p:spPr>
       </p:sp>
     </p:spTree>
   </p:cSld>
@@ -3526,123 +3230,293 @@
           <a:chExt cx="0" cy="0"/>
         </a:xfrm>
       </p:grpSpPr>
-      <p:pic>
-        <p:nvPicPr>
-          <p:cNvPr id="101" name="Picture 3" descr=""/>
-          <p:cNvPicPr/>
+      <p:graphicFrame>
+        <p:nvGraphicFramePr>
+          <p:cNvPr id="102" name="Table 1"/>
+          <p:cNvGraphicFramePr/>
           <p:nvPr/>
-        </p:nvPicPr>
-        <p:blipFill>
-          <a:blip r:embed="rId1"/>
-          <a:stretch>
-            <a:fillRect/>
-          </a:stretch>
-        </p:blipFill>
-        <p:spPr>
-          <a:xfrm>
-            <a:off x="2347560" y="476640"/>
-            <a:ext cx="4448880" cy="2511000"/>
-          </a:xfrm>
-          <a:prstGeom prst="rect">
-            <a:avLst/>
-          </a:prstGeom>
-          <a:ln>
-            <a:noFill/>
-          </a:ln>
-        </p:spPr>
-      </p:pic>
-      <p:sp>
-        <p:nvSpPr>
-          <p:cNvPr id="102" name="CustomShape 1"/>
-          <p:cNvSpPr/>
-          <p:nvPr/>
-        </p:nvSpPr>
-        <p:spPr>
-          <a:xfrm>
-            <a:off x="4068000" y="3075120"/>
-            <a:ext cx="1007640" cy="699840"/>
-          </a:xfrm>
-          <a:prstGeom prst="rect">
-            <a:avLst/>
-          </a:prstGeom>
-          <a:noFill/>
-          <a:ln>
-            <a:noFill/>
-          </a:ln>
-        </p:spPr>
-        <p:txBody>
-          <a:bodyPr lIns="90000" rIns="90000" tIns="45000" bIns="45000"/>
-          <a:p>
-            <a:pPr algn="ctr">
-              <a:lnSpc>
-                <a:spcPct val="100000"/>
-              </a:lnSpc>
-            </a:pPr>
-            <a:r>
-              <a:rPr b="1" lang="pl-PL" sz="4000">
-                <a:solidFill>
-                  <a:srgbClr val="000000"/>
-                </a:solidFill>
-                <a:latin typeface="Calibri"/>
-              </a:rPr>
-              <a:t>VS</a:t>
-            </a:r>
-            <a:endParaRPr/>
-          </a:p>
-        </p:txBody>
-      </p:sp>
-      <p:pic>
-        <p:nvPicPr>
-          <p:cNvPr id="103" name="" descr=""/>
-          <p:cNvPicPr/>
-          <p:nvPr/>
-        </p:nvPicPr>
-        <p:blipFill>
-          <a:blip r:embed="rId2"/>
-          <a:srcRect l="177622" t="458888" r="-311837" b="1430833"/>
-          <a:stretch>
-            <a:fillRect/>
-          </a:stretch>
-        </p:blipFill>
-        <p:spPr>
-          <a:xfrm>
-            <a:off x="216000" y="4014000"/>
-            <a:ext cx="4392000" cy="2610000"/>
-          </a:xfrm>
-          <a:prstGeom prst="rect">
-            <a:avLst/>
-          </a:prstGeom>
-          <a:ln>
-            <a:noFill/>
-          </a:ln>
-        </p:spPr>
-      </p:pic>
-      <p:pic>
-        <p:nvPicPr>
-          <p:cNvPr id="104" name="" descr=""/>
-          <p:cNvPicPr/>
-          <p:nvPr/>
-        </p:nvPicPr>
-        <p:blipFill>
-          <a:blip r:embed="rId3"/>
-          <a:srcRect l="176657" t="1558333" r="-464592" b="147129"/>
-          <a:stretch>
-            <a:fillRect/>
-          </a:stretch>
-        </p:blipFill>
-        <p:spPr>
-          <a:xfrm>
-            <a:off x="4752000" y="4071960"/>
-            <a:ext cx="4104000" cy="2480040"/>
-          </a:xfrm>
-          <a:prstGeom prst="rect">
-            <a:avLst/>
-          </a:prstGeom>
-          <a:ln>
-            <a:noFill/>
-          </a:ln>
-        </p:spPr>
-      </p:pic>
+        </p:nvGraphicFramePr>
+        <p:xfrm>
+          <a:off x="467640" y="1397160"/>
+          <a:ext cx="8279640" cy="3758760"/>
+        </p:xfrm>
+        <a:graphic>
+          <a:graphicData uri="http://schemas.openxmlformats.org/drawingml/2006/table">
+            <a:tbl>
+              <a:tblPr/>
+              <a:tblGrid>
+                <a:gridCol w="2760120"/>
+                <a:gridCol w="2760120"/>
+                <a:gridCol w="2759760"/>
+              </a:tblGrid>
+              <a:tr h="803520">
+                <a:tc>
+                  <a:tcPr/>
+                </a:tc>
+                <a:tc>
+                  <a:txBody>
+                    <a:bodyPr/>
+                    <a:p>
+                      <a:pPr algn="ctr">
+                        <a:lnSpc>
+                          <a:spcPct val="100000"/>
+                        </a:lnSpc>
+                      </a:pPr>
+                      <a:r>
+                        <a:rPr b="1" lang="pl-PL" sz="4800">
+                          <a:solidFill>
+                            <a:srgbClr val="ffffff"/>
+                          </a:solidFill>
+                          <a:latin typeface="Calibri"/>
+                        </a:rPr>
+                        <a:t>NIF</a:t>
+                      </a:r>
+                      <a:endParaRPr/>
+                    </a:p>
+                  </a:txBody>
+                  <a:tcPr/>
+                </a:tc>
+                <a:tc>
+                  <a:txBody>
+                    <a:bodyPr/>
+                    <a:p>
+                      <a:pPr algn="ctr">
+                        <a:lnSpc>
+                          <a:spcPct val="100000"/>
+                        </a:lnSpc>
+                      </a:pPr>
+                      <a:r>
+                        <a:rPr b="1" lang="pl-PL" sz="4800">
+                          <a:solidFill>
+                            <a:srgbClr val="ffffff"/>
+                          </a:solidFill>
+                          <a:latin typeface="Calibri"/>
+                        </a:rPr>
+                        <a:t>PORTS</a:t>
+                      </a:r>
+                      <a:endParaRPr/>
+                    </a:p>
+                  </a:txBody>
+                  <a:tcPr/>
+                </a:tc>
+              </a:tr>
+              <a:tr h="896400">
+                <a:tc>
+                  <a:txBody>
+                    <a:bodyPr/>
+                    <a:p>
+                      <a:pPr algn="ctr">
+                        <a:lnSpc>
+                          <a:spcPct val="100000"/>
+                        </a:lnSpc>
+                      </a:pPr>
+                      <a:r>
+                        <a:rPr lang="pl-PL" sz="4000">
+                          <a:solidFill>
+                            <a:srgbClr val="000000"/>
+                          </a:solidFill>
+                          <a:latin typeface="Calibri"/>
+                        </a:rPr>
+                        <a:t>SPEED</a:t>
+                      </a:r>
+                      <a:endParaRPr/>
+                    </a:p>
+                  </a:txBody>
+                  <a:tcPr/>
+                </a:tc>
+                <a:tc>
+                  <a:txBody>
+                    <a:bodyPr/>
+                    <a:p>
+                      <a:pPr algn="ctr">
+                        <a:lnSpc>
+                          <a:spcPct val="100000"/>
+                        </a:lnSpc>
+                      </a:pPr>
+                      <a:r>
+                        <a:rPr lang="pl-PL">
+                          <a:solidFill>
+                            <a:srgbClr val="000000"/>
+                          </a:solidFill>
+                          <a:latin typeface="Calibri"/>
+                        </a:rPr>
+                        <a:t>Very fast, in specific situations could be faster than bif</a:t>
+                      </a:r>
+                      <a:endParaRPr/>
+                    </a:p>
+                  </a:txBody>
+                  <a:tcPr/>
+                </a:tc>
+                <a:tc>
+                  <a:txBody>
+                    <a:bodyPr/>
+                    <a:p>
+                      <a:pPr algn="ctr">
+                        <a:lnSpc>
+                          <a:spcPct val="100000"/>
+                        </a:lnSpc>
+                      </a:pPr>
+                      <a:r>
+                        <a:rPr lang="pl-PL">
+                          <a:solidFill>
+                            <a:srgbClr val="000000"/>
+                          </a:solidFill>
+                          <a:latin typeface="Calibri"/>
+                        </a:rPr>
+                        <a:t>Much slower bacause of byte communication</a:t>
+                      </a:r>
+                      <a:endParaRPr/>
+                    </a:p>
+                  </a:txBody>
+                  <a:tcPr/>
+                </a:tc>
+              </a:tr>
+              <a:tr h="896400">
+                <a:tc>
+                  <a:txBody>
+                    <a:bodyPr/>
+                    <a:p>
+                      <a:pPr algn="ctr">
+                        <a:lnSpc>
+                          <a:spcPct val="100000"/>
+                        </a:lnSpc>
+                      </a:pPr>
+                      <a:r>
+                        <a:rPr lang="pl-PL" sz="4000">
+                          <a:solidFill>
+                            <a:srgbClr val="000000"/>
+                          </a:solidFill>
+                          <a:latin typeface="Calibri"/>
+                        </a:rPr>
+                        <a:t>CRASH</a:t>
+                      </a:r>
+                      <a:endParaRPr/>
+                    </a:p>
+                  </a:txBody>
+                  <a:tcPr/>
+                </a:tc>
+                <a:tc>
+                  <a:txBody>
+                    <a:bodyPr/>
+                    <a:p>
+                      <a:pPr algn="ctr">
+                        <a:lnSpc>
+                          <a:spcPct val="100000"/>
+                        </a:lnSpc>
+                      </a:pPr>
+                      <a:r>
+                        <a:rPr lang="pl-PL">
+                          <a:solidFill>
+                            <a:srgbClr val="000000"/>
+                          </a:solidFill>
+                          <a:latin typeface="Calibri"/>
+                        </a:rPr>
+                        <a:t>Brings the virtual machine down</a:t>
+                      </a:r>
+                      <a:endParaRPr/>
+                    </a:p>
+                  </a:txBody>
+                  <a:tcPr/>
+                </a:tc>
+                <a:tc>
+                  <a:txBody>
+                    <a:bodyPr/>
+                    <a:p>
+                      <a:pPr algn="ctr">
+                        <a:lnSpc>
+                          <a:spcPct val="100000"/>
+                        </a:lnSpc>
+                      </a:pPr>
+                      <a:r>
+                        <a:rPr lang="pl-PL">
+                          <a:solidFill>
+                            <a:srgbClr val="000000"/>
+                          </a:solidFill>
+                          <a:latin typeface="Calibri"/>
+                        </a:rPr>
+                        <a:t>Behaves almost like a process – makes managing crash easy.</a:t>
+                      </a:r>
+                      <a:endParaRPr/>
+                    </a:p>
+                  </a:txBody>
+                  <a:tcPr/>
+                </a:tc>
+              </a:tr>
+              <a:tr h="1432800">
+                <a:tc>
+                  <a:txBody>
+                    <a:bodyPr/>
+                    <a:p>
+                      <a:pPr algn="ctr">
+                        <a:lnSpc>
+                          <a:spcPct val="100000"/>
+                        </a:lnSpc>
+                      </a:pPr>
+                      <a:r>
+                        <a:rPr lang="pl-PL" sz="4000">
+                          <a:solidFill>
+                            <a:srgbClr val="000000"/>
+                          </a:solidFill>
+                          <a:latin typeface="Calibri"/>
+                        </a:rPr>
+                        <a:t>CODE</a:t>
+                      </a:r>
+                      <a:endParaRPr/>
+                    </a:p>
+                  </a:txBody>
+                  <a:tcPr/>
+                </a:tc>
+                <a:tc>
+                  <a:txBody>
+                    <a:bodyPr/>
+                    <a:p>
+                      <a:pPr algn="ctr">
+                        <a:lnSpc>
+                          <a:spcPct val="100000"/>
+                        </a:lnSpc>
+                      </a:pPr>
+                      <a:r>
+                        <a:rPr lang="pl-PL">
+                          <a:solidFill>
+                            <a:srgbClr val="000000"/>
+                          </a:solidFill>
+                          <a:latin typeface="Calibri"/>
+                        </a:rPr>
+                        <a:t>Erlang code very simple, focus on code in C, conversion between C types and Erlang terms</a:t>
+                      </a:r>
+                      <a:endParaRPr/>
+                    </a:p>
+                  </a:txBody>
+                  <a:tcPr/>
+                </a:tc>
+                <a:tc>
+                  <a:txBody>
+                    <a:bodyPr/>
+                    <a:p>
+                      <a:pPr algn="ctr">
+                        <a:lnSpc>
+                          <a:spcPct val="100000"/>
+                        </a:lnSpc>
+                      </a:pPr>
+                      <a:r>
+                        <a:rPr lang="pl-PL">
+                          <a:solidFill>
+                            <a:srgbClr val="000000"/>
+                          </a:solidFill>
+                          <a:latin typeface="Calibri"/>
+                        </a:rPr>
+                        <a:t>Much more work to manage communication between Erlang and C parts</a:t>
+                      </a:r>
+                      <a:endParaRPr/>
+                    </a:p>
+                  </a:txBody>
+                  <a:tcPr/>
+                </a:tc>
+              </a:tr>
+            </a:tbl>
+          </a:graphicData>
+        </a:graphic>
+      </p:graphicFrame>
     </p:spTree>
   </p:cSld>
   <p:timing>
@@ -3692,31 +3566,150 @@
           <a:chExt cx="0" cy="0"/>
         </a:xfrm>
       </p:grpSpPr>
-      <p:pic>
-        <p:nvPicPr>
-          <p:cNvPr id="105" name="Picture 2" descr=""/>
-          <p:cNvPicPr/>
+      <p:sp>
+        <p:nvSpPr>
+          <p:cNvPr id="103" name="CustomShape 1"/>
+          <p:cNvSpPr/>
           <p:nvPr/>
-        </p:nvPicPr>
-        <p:blipFill>
-          <a:blip r:embed="rId1"/>
-          <a:stretch>
-            <a:fillRect/>
-          </a:stretch>
-        </p:blipFill>
-        <p:spPr>
-          <a:xfrm>
-            <a:off x="815400" y="2049120"/>
-            <a:ext cx="7513200" cy="2759040"/>
-          </a:xfrm>
-          <a:prstGeom prst="rect">
-            <a:avLst/>
-          </a:prstGeom>
+        </p:nvSpPr>
+        <p:spPr>
+          <a:xfrm>
+            <a:off x="457200" y="274680"/>
+            <a:ext cx="8228160" cy="1141560"/>
+          </a:xfrm>
+          <a:prstGeom prst="rect">
+            <a:avLst/>
+          </a:prstGeom>
+          <a:noFill/>
           <a:ln>
             <a:noFill/>
           </a:ln>
         </p:spPr>
-      </p:pic>
+        <p:txBody>
+          <a:bodyPr lIns="90000" rIns="90000" tIns="45000" bIns="45000" anchor="ctr"/>
+          <a:p>
+            <a:pPr algn="ctr">
+              <a:lnSpc>
+                <a:spcPct val="100000"/>
+              </a:lnSpc>
+            </a:pPr>
+            <a:r>
+              <a:rPr lang="pl-PL" sz="4400">
+                <a:solidFill>
+                  <a:srgbClr val="000000"/>
+                </a:solidFill>
+                <a:latin typeface="Calibri"/>
+              </a:rPr>
+              <a:t>Pros</a:t>
+            </a:r>
+            <a:endParaRPr/>
+          </a:p>
+        </p:txBody>
+      </p:sp>
+      <p:sp>
+        <p:nvSpPr>
+          <p:cNvPr id="104" name="CustomShape 2"/>
+          <p:cNvSpPr/>
+          <p:nvPr/>
+        </p:nvSpPr>
+        <p:spPr>
+          <a:xfrm>
+            <a:off x="457200" y="1600200"/>
+            <a:ext cx="8228160" cy="4524480"/>
+          </a:xfrm>
+          <a:prstGeom prst="rect">
+            <a:avLst/>
+          </a:prstGeom>
+          <a:noFill/>
+          <a:ln>
+            <a:noFill/>
+          </a:ln>
+        </p:spPr>
+        <p:txBody>
+          <a:bodyPr lIns="90000" rIns="90000" tIns="45000" bIns="45000"/>
+          <a:p>
+            <a:pPr>
+              <a:lnSpc>
+                <a:spcPct val="100000"/>
+              </a:lnSpc>
+            </a:pPr>
+            <a:endParaRPr/>
+          </a:p>
+          <a:p>
+            <a:pPr>
+              <a:lnSpc>
+                <a:spcPct val="100000"/>
+              </a:lnSpc>
+              <a:buFont typeface="Arial"/>
+              <a:buChar char="•"/>
+            </a:pPr>
+            <a:r>
+              <a:rPr lang="pl-PL" sz="3200">
+                <a:solidFill>
+                  <a:srgbClr val="000000"/>
+                </a:solidFill>
+                <a:latin typeface="Calibri"/>
+              </a:rPr>
+              <a:t>NIFs let you achieve the highest speed</a:t>
+            </a:r>
+            <a:endParaRPr/>
+          </a:p>
+          <a:p>
+            <a:pPr>
+              <a:lnSpc>
+                <a:spcPct val="100000"/>
+              </a:lnSpc>
+              <a:buFont typeface="Arial"/>
+              <a:buChar char="•"/>
+            </a:pPr>
+            <a:r>
+              <a:rPr lang="pl-PL" sz="3200">
+                <a:solidFill>
+                  <a:srgbClr val="000000"/>
+                </a:solidFill>
+                <a:latin typeface="Calibri"/>
+              </a:rPr>
+              <a:t>Minimises amount of Erlang code to manage C</a:t>
+            </a:r>
+            <a:endParaRPr/>
+          </a:p>
+          <a:p>
+            <a:pPr>
+              <a:lnSpc>
+                <a:spcPct val="100000"/>
+              </a:lnSpc>
+              <a:buFont typeface="Arial"/>
+              <a:buChar char="•"/>
+            </a:pPr>
+            <a:r>
+              <a:rPr lang="pl-PL" sz="3200">
+                <a:solidFill>
+                  <a:srgbClr val="000000"/>
+                </a:solidFill>
+                <a:latin typeface="Calibri"/>
+              </a:rPr>
+              <a:t>Library providing Erlang ↔ C communication and types convertion.</a:t>
+            </a:r>
+            <a:endParaRPr/>
+          </a:p>
+          <a:p>
+            <a:pPr>
+              <a:lnSpc>
+                <a:spcPct val="100000"/>
+              </a:lnSpc>
+            </a:pPr>
+            <a:endParaRPr/>
+          </a:p>
+          <a:p>
+            <a:pPr>
+              <a:lnSpc>
+                <a:spcPct val="100000"/>
+              </a:lnSpc>
+            </a:pPr>
+            <a:endParaRPr/>
+          </a:p>
+        </p:txBody>
+      </p:sp>
     </p:spTree>
   </p:cSld>
   <p:timing>
@@ -3768,21 +3761,25 @@
       </p:grpSpPr>
       <p:sp>
         <p:nvSpPr>
-          <p:cNvPr id="106" name="TextShape 1"/>
-          <p:cNvSpPr txBox="1"/>
+          <p:cNvPr id="105" name="CustomShape 1"/>
+          <p:cNvSpPr/>
           <p:nvPr/>
         </p:nvSpPr>
         <p:spPr>
           <a:xfrm>
             <a:off x="457200" y="274680"/>
-            <a:ext cx="8229240" cy="1142640"/>
-          </a:xfrm>
-          <a:prstGeom prst="rect">
-            <a:avLst/>
-          </a:prstGeom>
-        </p:spPr>
-        <p:txBody>
-          <a:bodyPr anchor="ctr"/>
+            <a:ext cx="8228160" cy="1141560"/>
+          </a:xfrm>
+          <a:prstGeom prst="rect">
+            <a:avLst/>
+          </a:prstGeom>
+          <a:noFill/>
+          <a:ln>
+            <a:noFill/>
+          </a:ln>
+        </p:spPr>
+        <p:txBody>
+          <a:bodyPr lIns="90000" rIns="90000" tIns="45000" bIns="45000" anchor="ctr"/>
           <a:p>
             <a:pPr algn="ctr">
               <a:lnSpc>
@@ -3796,37 +3793,92 @@
                 </a:solidFill>
                 <a:latin typeface="Calibri"/>
               </a:rPr>
-              <a:t>Time for some testing</a:t>
+              <a:t>Cons</a:t>
             </a:r>
             <a:endParaRPr/>
           </a:p>
         </p:txBody>
       </p:sp>
-      <p:pic>
-        <p:nvPicPr>
-          <p:cNvPr id="107" name="Picture 2" descr=""/>
-          <p:cNvPicPr/>
+      <p:sp>
+        <p:nvSpPr>
+          <p:cNvPr id="106" name="CustomShape 2"/>
+          <p:cNvSpPr/>
           <p:nvPr/>
-        </p:nvPicPr>
-        <p:blipFill>
-          <a:blip r:embed="rId1"/>
-          <a:stretch>
-            <a:fillRect/>
-          </a:stretch>
-        </p:blipFill>
-        <p:spPr>
-          <a:xfrm>
-            <a:off x="683640" y="1556640"/>
-            <a:ext cx="7747560" cy="4410720"/>
-          </a:xfrm>
-          <a:prstGeom prst="rect">
-            <a:avLst/>
-          </a:prstGeom>
+        </p:nvSpPr>
+        <p:spPr>
+          <a:xfrm>
+            <a:off x="457200" y="1600200"/>
+            <a:ext cx="8228160" cy="4524480"/>
+          </a:xfrm>
+          <a:prstGeom prst="rect">
+            <a:avLst/>
+          </a:prstGeom>
+          <a:noFill/>
           <a:ln>
             <a:noFill/>
           </a:ln>
         </p:spPr>
-      </p:pic>
+        <p:txBody>
+          <a:bodyPr lIns="90000" rIns="90000" tIns="45000" bIns="45000"/>
+          <a:p>
+            <a:pPr>
+              <a:lnSpc>
+                <a:spcPct val="100000"/>
+              </a:lnSpc>
+              <a:buFont typeface="Arial"/>
+              <a:buChar char="•"/>
+            </a:pPr>
+            <a:r>
+              <a:rPr lang="pl-PL" sz="3200">
+                <a:solidFill>
+                  <a:srgbClr val="000000"/>
+                </a:solidFill>
+                <a:latin typeface="Calibri"/>
+              </a:rPr>
+              <a:t>If crash when running NIF whole virtual machine is down</a:t>
+            </a:r>
+            <a:endParaRPr/>
+          </a:p>
+          <a:p>
+            <a:pPr>
+              <a:lnSpc>
+                <a:spcPct val="100000"/>
+              </a:lnSpc>
+              <a:buFont typeface="Arial"/>
+              <a:buChar char="•"/>
+            </a:pPr>
+            <a:r>
+              <a:rPr lang="pl-PL" sz="3200">
+                <a:solidFill>
+                  <a:srgbClr val="000000"/>
+                </a:solidFill>
+                <a:latin typeface="Calibri"/>
+              </a:rPr>
+              <a:t>Long-running NIFs will take over a scheduler and prevent Erlang from efficiently handling many processes</a:t>
+            </a:r>
+            <a:endParaRPr/>
+          </a:p>
+          <a:p>
+            <a:pPr>
+              <a:lnSpc>
+                <a:spcPct val="100000"/>
+              </a:lnSpc>
+              <a:buFont typeface="Arial"/>
+              <a:buChar char="•"/>
+            </a:pPr>
+            <a:r>
+              <a:rPr lang="pl-PL" sz="3200">
+                <a:solidFill>
+                  <a:srgbClr val="000000"/>
+                </a:solidFill>
+                <a:latin typeface="Calibri"/>
+              </a:rPr>
+              <a:t>Problems with scaling</a:t>
+            </a:r>
+            <a:endParaRPr/>
+          </a:p>
+        </p:txBody>
+      </p:sp>
     </p:spTree>
   </p:cSld>
   <p:timing>
@@ -3876,293 +3928,71 @@
           <a:chExt cx="0" cy="0"/>
         </a:xfrm>
       </p:grpSpPr>
-      <p:graphicFrame>
-        <p:nvGraphicFramePr>
-          <p:cNvPr id="108" name="Table 1"/>
-          <p:cNvGraphicFramePr/>
+      <p:sp>
+        <p:nvSpPr>
+          <p:cNvPr id="107" name="CustomShape 1"/>
+          <p:cNvSpPr/>
           <p:nvPr/>
-        </p:nvGraphicFramePr>
-        <p:xfrm>
-          <a:off x="467640" y="1397160"/>
-          <a:ext cx="8280720" cy="3759840"/>
-        </p:xfrm>
-        <a:graphic>
-          <a:graphicData uri="http://schemas.openxmlformats.org/drawingml/2006/table">
-            <a:tbl>
-              <a:tblPr/>
-              <a:tblGrid>
-                <a:gridCol w="2760120"/>
-                <a:gridCol w="2760120"/>
-                <a:gridCol w="2760480"/>
-              </a:tblGrid>
-              <a:tr h="803520">
-                <a:tc>
-                  <a:tcPr/>
-                </a:tc>
-                <a:tc>
-                  <a:txBody>
-                    <a:bodyPr anchor="ctr"/>
-                    <a:p>
-                      <a:pPr algn="ctr">
-                        <a:lnSpc>
-                          <a:spcPct val="100000"/>
-                        </a:lnSpc>
-                      </a:pPr>
-                      <a:r>
-                        <a:rPr b="1" lang="pl-PL" sz="4800">
-                          <a:solidFill>
-                            <a:srgbClr val="ffffff"/>
-                          </a:solidFill>
-                          <a:latin typeface="Calibri"/>
-                        </a:rPr>
-                        <a:t>NIF</a:t>
-                      </a:r>
-                      <a:endParaRPr/>
-                    </a:p>
-                  </a:txBody>
-                  <a:tcPr/>
-                </a:tc>
-                <a:tc>
-                  <a:txBody>
-                    <a:bodyPr anchor="ctr"/>
-                    <a:p>
-                      <a:pPr algn="ctr">
-                        <a:lnSpc>
-                          <a:spcPct val="100000"/>
-                        </a:lnSpc>
-                      </a:pPr>
-                      <a:r>
-                        <a:rPr b="1" lang="pl-PL" sz="4800">
-                          <a:solidFill>
-                            <a:srgbClr val="ffffff"/>
-                          </a:solidFill>
-                          <a:latin typeface="Calibri"/>
-                        </a:rPr>
-                        <a:t>PORTS</a:t>
-                      </a:r>
-                      <a:endParaRPr/>
-                    </a:p>
-                  </a:txBody>
-                  <a:tcPr/>
-                </a:tc>
-              </a:tr>
-              <a:tr h="896400">
-                <a:tc>
-                  <a:txBody>
-                    <a:bodyPr anchor="ctr"/>
-                    <a:p>
-                      <a:pPr algn="ctr">
-                        <a:lnSpc>
-                          <a:spcPct val="100000"/>
-                        </a:lnSpc>
-                      </a:pPr>
-                      <a:r>
-                        <a:rPr lang="pl-PL" sz="4000">
-                          <a:solidFill>
-                            <a:srgbClr val="000000"/>
-                          </a:solidFill>
-                          <a:latin typeface="Calibri"/>
-                        </a:rPr>
-                        <a:t>SPEED</a:t>
-                      </a:r>
-                      <a:endParaRPr/>
-                    </a:p>
-                  </a:txBody>
-                  <a:tcPr/>
-                </a:tc>
-                <a:tc>
-                  <a:txBody>
-                    <a:bodyPr anchor="ctr"/>
-                    <a:p>
-                      <a:pPr algn="ctr">
-                        <a:lnSpc>
-                          <a:spcPct val="100000"/>
-                        </a:lnSpc>
-                      </a:pPr>
-                      <a:r>
-                        <a:rPr lang="pl-PL">
-                          <a:solidFill>
-                            <a:srgbClr val="000000"/>
-                          </a:solidFill>
-                          <a:latin typeface="Calibri"/>
-                        </a:rPr>
-                        <a:t>Very fast, in specific situations could be faster than bif</a:t>
-                      </a:r>
-                      <a:endParaRPr/>
-                    </a:p>
-                  </a:txBody>
-                  <a:tcPr/>
-                </a:tc>
-                <a:tc>
-                  <a:txBody>
-                    <a:bodyPr anchor="ctr"/>
-                    <a:p>
-                      <a:pPr algn="ctr">
-                        <a:lnSpc>
-                          <a:spcPct val="100000"/>
-                        </a:lnSpc>
-                      </a:pPr>
-                      <a:r>
-                        <a:rPr lang="pl-PL">
-                          <a:solidFill>
-                            <a:srgbClr val="000000"/>
-                          </a:solidFill>
-                          <a:latin typeface="Calibri"/>
-                        </a:rPr>
-                        <a:t>Much slower bacause of byte communication</a:t>
-                      </a:r>
-                      <a:endParaRPr/>
-                    </a:p>
-                  </a:txBody>
-                  <a:tcPr/>
-                </a:tc>
-              </a:tr>
-              <a:tr h="896400">
-                <a:tc>
-                  <a:txBody>
-                    <a:bodyPr anchor="ctr"/>
-                    <a:p>
-                      <a:pPr algn="ctr">
-                        <a:lnSpc>
-                          <a:spcPct val="100000"/>
-                        </a:lnSpc>
-                      </a:pPr>
-                      <a:r>
-                        <a:rPr lang="pl-PL" sz="4000">
-                          <a:solidFill>
-                            <a:srgbClr val="000000"/>
-                          </a:solidFill>
-                          <a:latin typeface="Calibri"/>
-                        </a:rPr>
-                        <a:t>CRASH</a:t>
-                      </a:r>
-                      <a:endParaRPr/>
-                    </a:p>
-                  </a:txBody>
-                  <a:tcPr/>
-                </a:tc>
-                <a:tc>
-                  <a:txBody>
-                    <a:bodyPr anchor="ctr"/>
-                    <a:p>
-                      <a:pPr algn="ctr">
-                        <a:lnSpc>
-                          <a:spcPct val="100000"/>
-                        </a:lnSpc>
-                      </a:pPr>
-                      <a:r>
-                        <a:rPr lang="pl-PL">
-                          <a:solidFill>
-                            <a:srgbClr val="000000"/>
-                          </a:solidFill>
-                          <a:latin typeface="Calibri"/>
-                        </a:rPr>
-                        <a:t>Brings the virtual machine down</a:t>
-                      </a:r>
-                      <a:endParaRPr/>
-                    </a:p>
-                  </a:txBody>
-                  <a:tcPr/>
-                </a:tc>
-                <a:tc>
-                  <a:txBody>
-                    <a:bodyPr anchor="ctr"/>
-                    <a:p>
-                      <a:pPr algn="ctr">
-                        <a:lnSpc>
-                          <a:spcPct val="100000"/>
-                        </a:lnSpc>
-                      </a:pPr>
-                      <a:r>
-                        <a:rPr lang="pl-PL">
-                          <a:solidFill>
-                            <a:srgbClr val="000000"/>
-                          </a:solidFill>
-                          <a:latin typeface="Calibri"/>
-                        </a:rPr>
-                        <a:t>Behaves almost like a process – makes managing crash easy.</a:t>
-                      </a:r>
-                      <a:endParaRPr/>
-                    </a:p>
-                  </a:txBody>
-                  <a:tcPr/>
-                </a:tc>
-              </a:tr>
-              <a:tr h="1432800">
-                <a:tc>
-                  <a:txBody>
-                    <a:bodyPr anchor="ctr"/>
-                    <a:p>
-                      <a:pPr algn="ctr">
-                        <a:lnSpc>
-                          <a:spcPct val="100000"/>
-                        </a:lnSpc>
-                      </a:pPr>
-                      <a:r>
-                        <a:rPr lang="pl-PL" sz="4000">
-                          <a:solidFill>
-                            <a:srgbClr val="000000"/>
-                          </a:solidFill>
-                          <a:latin typeface="Calibri"/>
-                        </a:rPr>
-                        <a:t>CODE</a:t>
-                      </a:r>
-                      <a:endParaRPr/>
-                    </a:p>
-                  </a:txBody>
-                  <a:tcPr/>
-                </a:tc>
-                <a:tc>
-                  <a:txBody>
-                    <a:bodyPr anchor="ctr"/>
-                    <a:p>
-                      <a:pPr algn="ctr">
-                        <a:lnSpc>
-                          <a:spcPct val="100000"/>
-                        </a:lnSpc>
-                      </a:pPr>
-                      <a:r>
-                        <a:rPr lang="pl-PL">
-                          <a:solidFill>
-                            <a:srgbClr val="000000"/>
-                          </a:solidFill>
-                          <a:latin typeface="Calibri"/>
-                        </a:rPr>
-                        <a:t>Erlang code very simple, focus on code in C and conversion of types</a:t>
-                      </a:r>
-                      <a:endParaRPr/>
-                    </a:p>
-                  </a:txBody>
-                  <a:tcPr/>
-                </a:tc>
-                <a:tc>
-                  <a:txBody>
-                    <a:bodyPr anchor="ctr"/>
-                    <a:p>
-                      <a:pPr algn="ctr">
-                        <a:lnSpc>
-                          <a:spcPct val="100000"/>
-                        </a:lnSpc>
-                      </a:pPr>
-                      <a:r>
-                        <a:rPr lang="pl-PL">
-                          <a:solidFill>
-                            <a:srgbClr val="000000"/>
-                          </a:solidFill>
-                          <a:latin typeface="Calibri"/>
-                        </a:rPr>
-                        <a:t>Much more work to manage communication between Erlang and C parts</a:t>
-                      </a:r>
-                      <a:endParaRPr/>
-                    </a:p>
-                  </a:txBody>
-                  <a:tcPr/>
-                </a:tc>
-              </a:tr>
-            </a:tbl>
-          </a:graphicData>
-        </a:graphic>
-      </p:graphicFrame>
+        </p:nvSpPr>
+        <p:spPr>
+          <a:xfrm>
+            <a:off x="457200" y="274680"/>
+            <a:ext cx="8228160" cy="1141560"/>
+          </a:xfrm>
+          <a:prstGeom prst="rect">
+            <a:avLst/>
+          </a:prstGeom>
+          <a:noFill/>
+          <a:ln>
+            <a:noFill/>
+          </a:ln>
+        </p:spPr>
+        <p:txBody>
+          <a:bodyPr lIns="90000" rIns="90000" tIns="45000" bIns="45000" anchor="ctr"/>
+          <a:p>
+            <a:pPr algn="ctr">
+              <a:lnSpc>
+                <a:spcPct val="100000"/>
+              </a:lnSpc>
+            </a:pPr>
+            <a:r>
+              <a:rPr lang="pl-PL" sz="4400">
+                <a:solidFill>
+                  <a:srgbClr val="000000"/>
+                </a:solidFill>
+                <a:latin typeface="Calibri"/>
+              </a:rPr>
+              <a:t>Summary</a:t>
+            </a:r>
+            <a:endParaRPr/>
+          </a:p>
+        </p:txBody>
+      </p:sp>
+      <p:pic>
+        <p:nvPicPr>
+          <p:cNvPr id="108" name="Picture 2" descr=""/>
+          <p:cNvPicPr/>
+          <p:nvPr/>
+        </p:nvPicPr>
+        <p:blipFill>
+          <a:blip r:embed="rId1"/>
+          <a:stretch>
+            <a:fillRect/>
+          </a:stretch>
+        </p:blipFill>
+        <p:spPr>
+          <a:xfrm>
+            <a:off x="1979640" y="2565000"/>
+            <a:ext cx="5589720" cy="1789200"/>
+          </a:xfrm>
+          <a:prstGeom prst="rect">
+            <a:avLst/>
+          </a:prstGeom>
+          <a:ln>
+            <a:noFill/>
+          </a:ln>
+        </p:spPr>
+      </p:pic>
     </p:spTree>
   </p:cSld>
   <p:timing>
@@ -4214,21 +4044,25 @@
       </p:grpSpPr>
       <p:sp>
         <p:nvSpPr>
-          <p:cNvPr id="109" name="TextShape 1"/>
-          <p:cNvSpPr txBox="1"/>
+          <p:cNvPr id="109" name="CustomShape 1"/>
+          <p:cNvSpPr/>
           <p:nvPr/>
         </p:nvSpPr>
         <p:spPr>
           <a:xfrm>
             <a:off x="457200" y="274680"/>
-            <a:ext cx="8229240" cy="1142640"/>
-          </a:xfrm>
-          <a:prstGeom prst="rect">
-            <a:avLst/>
-          </a:prstGeom>
-        </p:spPr>
-        <p:txBody>
-          <a:bodyPr anchor="ctr"/>
+            <a:ext cx="8228160" cy="1141560"/>
+          </a:xfrm>
+          <a:prstGeom prst="rect">
+            <a:avLst/>
+          </a:prstGeom>
+          <a:noFill/>
+          <a:ln>
+            <a:noFill/>
+          </a:ln>
+        </p:spPr>
+        <p:txBody>
+          <a:bodyPr lIns="90000" rIns="90000" tIns="45000" bIns="45000" anchor="ctr"/>
           <a:p>
             <a:pPr algn="ctr">
               <a:lnSpc>
@@ -4250,21 +4084,25 @@
       </p:sp>
       <p:sp>
         <p:nvSpPr>
-          <p:cNvPr id="110" name="TextShape 2"/>
-          <p:cNvSpPr txBox="1"/>
+          <p:cNvPr id="110" name="CustomShape 2"/>
+          <p:cNvSpPr/>
           <p:nvPr/>
         </p:nvSpPr>
         <p:spPr>
           <a:xfrm>
             <a:off x="457200" y="1600200"/>
-            <a:ext cx="8229240" cy="4525560"/>
-          </a:xfrm>
-          <a:prstGeom prst="rect">
-            <a:avLst/>
-          </a:prstGeom>
-        </p:spPr>
-        <p:txBody>
-          <a:bodyPr/>
+            <a:ext cx="8228160" cy="4524480"/>
+          </a:xfrm>
+          <a:prstGeom prst="rect">
+            <a:avLst/>
+          </a:prstGeom>
+          <a:noFill/>
+          <a:ln>
+            <a:noFill/>
+          </a:ln>
+        </p:spPr>
+        <p:txBody>
+          <a:bodyPr lIns="90000" rIns="90000" tIns="45000" bIns="45000"/>
           <a:p>
             <a:pPr>
               <a:lnSpc>
@@ -4295,16 +4133,7 @@
                 </a:solidFill>
                 <a:latin typeface="Calibri"/>
               </a:rPr>
-              <a:t>https://</a:t>
-            </a:r>
-            <a:r>
-              <a:rPr lang="pl-PL" sz="3200" u="sng">
-                <a:solidFill>
-                  <a:srgbClr val="0000ff"/>
-                </a:solidFill>
-                <a:latin typeface="Calibri"/>
-              </a:rPr>
-              <a:t>github.com/fib1123/nif_erlangproject</a:t>
+              <a:t>https://github.com/fib1123/nif_erlangproject</a:t>
             </a:r>
             <a:endParaRPr/>
           </a:p>
@@ -4348,16 +4177,7 @@
                 </a:solidFill>
                 <a:latin typeface="Calibri"/>
               </a:rPr>
-              <a:t>http://</a:t>
-            </a:r>
-            <a:r>
-              <a:rPr lang="pl-PL" sz="3200" u="sng">
-                <a:solidFill>
-                  <a:srgbClr val="0000ff"/>
-                </a:solidFill>
-                <a:latin typeface="Calibri"/>
-              </a:rPr>
-              <a:t>www.erlang.org/doc/tutorial/nif.html</a:t>
+              <a:t>http://www.erlang.org/doc/tutorial/nif.html</a:t>
             </a:r>
             <a:endParaRPr/>
           </a:p>
@@ -4376,16 +4196,7 @@
                 </a:solidFill>
                 <a:latin typeface="Calibri"/>
               </a:rPr>
-              <a:t>http://</a:t>
-            </a:r>
-            <a:r>
-              <a:rPr lang="pl-PL" sz="3200" u="sng">
-                <a:solidFill>
-                  <a:srgbClr val="0000ff"/>
-                </a:solidFill>
-                <a:latin typeface="Calibri"/>
-              </a:rPr>
-              <a:t>www.erlang.org/doc/man/erl_nif.html</a:t>
+              <a:t>http://www.erlang.org/doc/man/erl_nif.html</a:t>
             </a:r>
             <a:endParaRPr/>
           </a:p>
@@ -4401,6 +4212,33 @@
       </p:sp>
     </p:spTree>
   </p:cSld>
+  <p:timing>
+    <p:tnLst>
+      <p:par>
+        <p:cTn id="27" dur="indefinite" restart="never" nodeType="tmRoot">
+          <p:childTnLst>
+            <p:seq>
+              <p:cTn id="28" nodeType="mainSeq"/>
+              <p:prevCondLst>
+                <p:cond delay="0" evt="onPrev">
+                  <p:tgtEl>
+                    <p:sldTgt/>
+                  </p:tgtEl>
+                </p:cond>
+              </p:prevCondLst>
+              <p:nextCondLst>
+                <p:cond delay="0" evt="onNext">
+                  <p:tgtEl>
+                    <p:sldTgt/>
+                  </p:tgtEl>
+                </p:cond>
+              </p:nextCondLst>
+            </p:seq>
+          </p:childTnLst>
+        </p:cTn>
+      </p:par>
+    </p:tnLst>
+  </p:timing>
 </p:sld>
 </file>
 
@@ -4423,21 +4261,25 @@
       </p:grpSpPr>
       <p:sp>
         <p:nvSpPr>
-          <p:cNvPr id="85" name="TextShape 1"/>
-          <p:cNvSpPr txBox="1"/>
+          <p:cNvPr id="79" name="CustomShape 1"/>
+          <p:cNvSpPr/>
           <p:nvPr/>
         </p:nvSpPr>
         <p:spPr>
           <a:xfrm>
             <a:off x="457200" y="274680"/>
-            <a:ext cx="8229240" cy="1142640"/>
-          </a:xfrm>
-          <a:prstGeom prst="rect">
-            <a:avLst/>
-          </a:prstGeom>
-        </p:spPr>
-        <p:txBody>
-          <a:bodyPr anchor="ctr"/>
+            <a:ext cx="8228160" cy="1141560"/>
+          </a:xfrm>
+          <a:prstGeom prst="rect">
+            <a:avLst/>
+          </a:prstGeom>
+          <a:noFill/>
+          <a:ln>
+            <a:noFill/>
+          </a:ln>
+        </p:spPr>
+        <p:txBody>
+          <a:bodyPr lIns="90000" rIns="90000" tIns="45000" bIns="45000" anchor="ctr"/>
           <a:p>
             <a:pPr algn="ctr">
               <a:lnSpc>
@@ -4459,21 +4301,25 @@
       </p:sp>
       <p:sp>
         <p:nvSpPr>
-          <p:cNvPr id="86" name="TextShape 2"/>
-          <p:cNvSpPr txBox="1"/>
+          <p:cNvPr id="80" name="CustomShape 2"/>
+          <p:cNvSpPr/>
           <p:nvPr/>
         </p:nvSpPr>
         <p:spPr>
           <a:xfrm>
             <a:off x="457200" y="1600200"/>
-            <a:ext cx="8229240" cy="4525560"/>
-          </a:xfrm>
-          <a:prstGeom prst="rect">
-            <a:avLst/>
-          </a:prstGeom>
-        </p:spPr>
-        <p:txBody>
-          <a:bodyPr/>
+            <a:ext cx="8228160" cy="4524480"/>
+          </a:xfrm>
+          <a:prstGeom prst="rect">
+            <a:avLst/>
+          </a:prstGeom>
+          <a:noFill/>
+          <a:ln>
+            <a:noFill/>
+          </a:ln>
+        </p:spPr>
+        <p:txBody>
+          <a:bodyPr lIns="90000" rIns="90000" tIns="45000" bIns="45000"/>
           <a:p>
             <a:pPr>
               <a:lnSpc>
@@ -4554,21 +4400,25 @@
       </p:grpSpPr>
       <p:sp>
         <p:nvSpPr>
-          <p:cNvPr id="87" name="TextShape 1"/>
-          <p:cNvSpPr txBox="1"/>
+          <p:cNvPr id="81" name="CustomShape 1"/>
+          <p:cNvSpPr/>
           <p:nvPr/>
         </p:nvSpPr>
         <p:spPr>
           <a:xfrm>
             <a:off x="457200" y="274680"/>
-            <a:ext cx="8229240" cy="1142640"/>
-          </a:xfrm>
-          <a:prstGeom prst="rect">
-            <a:avLst/>
-          </a:prstGeom>
-        </p:spPr>
-        <p:txBody>
-          <a:bodyPr anchor="ctr"/>
+            <a:ext cx="8228160" cy="1141560"/>
+          </a:xfrm>
+          <a:prstGeom prst="rect">
+            <a:avLst/>
+          </a:prstGeom>
+          <a:noFill/>
+          <a:ln>
+            <a:noFill/>
+          </a:ln>
+        </p:spPr>
+        <p:txBody>
+          <a:bodyPr lIns="90000" rIns="90000" tIns="45000" bIns="45000" anchor="ctr"/>
           <a:p>
             <a:pPr algn="ctr">
               <a:lnSpc>
@@ -4590,7 +4440,7 @@
       </p:sp>
       <p:pic>
         <p:nvPicPr>
-          <p:cNvPr id="88" name="Picture 4" descr=""/>
+          <p:cNvPr id="82" name="Picture 4" descr=""/>
           <p:cNvPicPr/>
           <p:nvPr/>
         </p:nvPicPr>
@@ -4603,7 +4453,7 @@
         <p:spPr>
           <a:xfrm>
             <a:off x="1115640" y="1700640"/>
-            <a:ext cx="6990840" cy="3914280"/>
+            <a:ext cx="6989760" cy="3913200"/>
           </a:xfrm>
           <a:prstGeom prst="rect">
             <a:avLst/>
@@ -4664,21 +4514,25 @@
       </p:grpSpPr>
       <p:sp>
         <p:nvSpPr>
-          <p:cNvPr id="89" name="TextShape 1"/>
-          <p:cNvSpPr txBox="1"/>
+          <p:cNvPr id="83" name="CustomShape 1"/>
+          <p:cNvSpPr/>
           <p:nvPr/>
         </p:nvSpPr>
         <p:spPr>
           <a:xfrm>
             <a:off x="457200" y="274680"/>
-            <a:ext cx="8229240" cy="1142640"/>
-          </a:xfrm>
-          <a:prstGeom prst="rect">
-            <a:avLst/>
-          </a:prstGeom>
-        </p:spPr>
-        <p:txBody>
-          <a:bodyPr anchor="ctr"/>
+            <a:ext cx="8228160" cy="1141560"/>
+          </a:xfrm>
+          <a:prstGeom prst="rect">
+            <a:avLst/>
+          </a:prstGeom>
+          <a:noFill/>
+          <a:ln>
+            <a:noFill/>
+          </a:ln>
+        </p:spPr>
+        <p:txBody>
+          <a:bodyPr lIns="90000" rIns="90000" tIns="45000" bIns="45000" anchor="ctr"/>
           <a:p>
             <a:pPr algn="ctr">
               <a:lnSpc>
@@ -4700,7 +4554,7 @@
       </p:sp>
       <p:pic>
         <p:nvPicPr>
-          <p:cNvPr id="90" name="Picture 2" descr=""/>
+          <p:cNvPr id="84" name="Picture 2" descr=""/>
           <p:cNvPicPr/>
           <p:nvPr/>
         </p:nvPicPr>
@@ -4713,7 +4567,7 @@
         <p:spPr>
           <a:xfrm>
             <a:off x="107640" y="1700640"/>
-            <a:ext cx="8892000" cy="4142520"/>
+            <a:ext cx="8890920" cy="4141440"/>
           </a:xfrm>
           <a:prstGeom prst="rect">
             <a:avLst/>
@@ -4774,21 +4628,25 @@
       </p:grpSpPr>
       <p:sp>
         <p:nvSpPr>
-          <p:cNvPr id="91" name="TextShape 1"/>
-          <p:cNvSpPr txBox="1"/>
+          <p:cNvPr id="85" name="CustomShape 1"/>
+          <p:cNvSpPr/>
           <p:nvPr/>
         </p:nvSpPr>
         <p:spPr>
           <a:xfrm>
             <a:off x="457200" y="274680"/>
-            <a:ext cx="8229240" cy="1142640"/>
-          </a:xfrm>
-          <a:prstGeom prst="rect">
-            <a:avLst/>
-          </a:prstGeom>
-        </p:spPr>
-        <p:txBody>
-          <a:bodyPr anchor="ctr"/>
+            <a:ext cx="8228160" cy="1141560"/>
+          </a:xfrm>
+          <a:prstGeom prst="rect">
+            <a:avLst/>
+          </a:prstGeom>
+          <a:noFill/>
+          <a:ln>
+            <a:noFill/>
+          </a:ln>
+        </p:spPr>
+        <p:txBody>
+          <a:bodyPr lIns="90000" rIns="90000" tIns="45000" bIns="45000" anchor="ctr"/>
           <a:p>
             <a:pPr algn="ctr">
               <a:lnSpc>
@@ -4802,74 +4660,37 @@
                 </a:solidFill>
                 <a:latin typeface="Calibri"/>
               </a:rPr>
-              <a:t>Pros</a:t>
+              <a:t>For more comparison: ports</a:t>
             </a:r>
             <a:endParaRPr/>
           </a:p>
         </p:txBody>
       </p:sp>
-      <p:sp>
-        <p:nvSpPr>
-          <p:cNvPr id="92" name="TextShape 2"/>
-          <p:cNvSpPr txBox="1"/>
+      <p:pic>
+        <p:nvPicPr>
+          <p:cNvPr id="86" name="Picture 2" descr=""/>
+          <p:cNvPicPr/>
           <p:nvPr/>
-        </p:nvSpPr>
-        <p:spPr>
-          <a:xfrm>
-            <a:off x="457200" y="1600200"/>
-            <a:ext cx="8229240" cy="4525560"/>
-          </a:xfrm>
-          <a:prstGeom prst="rect">
-            <a:avLst/>
-          </a:prstGeom>
-        </p:spPr>
-        <p:txBody>
-          <a:bodyPr/>
-          <a:p>
-            <a:pPr>
-              <a:lnSpc>
-                <a:spcPct val="100000"/>
-              </a:lnSpc>
-            </a:pPr>
-            <a:endParaRPr/>
-          </a:p>
-          <a:p>
-            <a:pPr>
-              <a:lnSpc>
-                <a:spcPct val="100000"/>
-              </a:lnSpc>
-              <a:buFont typeface="Arial"/>
-              <a:buChar char="•"/>
-            </a:pPr>
-            <a:r>
-              <a:rPr lang="pl-PL" sz="3200">
-                <a:solidFill>
-                  <a:srgbClr val="000000"/>
-                </a:solidFill>
-                <a:latin typeface="Calibri"/>
-              </a:rPr>
-              <a:t>NIFs let you achieve the highest speed</a:t>
-            </a:r>
-            <a:endParaRPr/>
-          </a:p>
-          <a:p>
-            <a:pPr>
-              <a:lnSpc>
-                <a:spcPct val="100000"/>
-              </a:lnSpc>
-            </a:pPr>
-            <a:endParaRPr/>
-          </a:p>
-          <a:p>
-            <a:pPr>
-              <a:lnSpc>
-                <a:spcPct val="100000"/>
-              </a:lnSpc>
-            </a:pPr>
-            <a:endParaRPr/>
-          </a:p>
-        </p:txBody>
-      </p:sp>
+        </p:nvPicPr>
+        <p:blipFill>
+          <a:blip r:embed="rId1"/>
+          <a:stretch>
+            <a:fillRect/>
+          </a:stretch>
+        </p:blipFill>
+        <p:spPr>
+          <a:xfrm>
+            <a:off x="1302840" y="2637000"/>
+            <a:ext cx="6537240" cy="2452320"/>
+          </a:xfrm>
+          <a:prstGeom prst="rect">
+            <a:avLst/>
+          </a:prstGeom>
+          <a:ln>
+            <a:noFill/>
+          </a:ln>
+        </p:spPr>
+      </p:pic>
     </p:spTree>
   </p:cSld>
   <p:timing>
@@ -4919,118 +4740,56 @@
           <a:chExt cx="0" cy="0"/>
         </a:xfrm>
       </p:grpSpPr>
-      <p:sp>
-        <p:nvSpPr>
-          <p:cNvPr id="93" name="TextShape 1"/>
-          <p:cNvSpPr txBox="1"/>
+      <p:pic>
+        <p:nvPicPr>
+          <p:cNvPr id="87" name="Picture 2" descr=""/>
+          <p:cNvPicPr/>
           <p:nvPr/>
-        </p:nvSpPr>
-        <p:spPr>
-          <a:xfrm>
-            <a:off x="457200" y="274680"/>
-            <a:ext cx="8229240" cy="1142640"/>
-          </a:xfrm>
-          <a:prstGeom prst="rect">
-            <a:avLst/>
-          </a:prstGeom>
-        </p:spPr>
-        <p:txBody>
-          <a:bodyPr anchor="ctr"/>
-          <a:p>
-            <a:pPr algn="ctr">
-              <a:lnSpc>
-                <a:spcPct val="100000"/>
-              </a:lnSpc>
-            </a:pPr>
-            <a:r>
-              <a:rPr lang="pl-PL" sz="4400">
-                <a:solidFill>
-                  <a:srgbClr val="000000"/>
-                </a:solidFill>
-                <a:latin typeface="Calibri"/>
-              </a:rPr>
-              <a:t>Cons</a:t>
-            </a:r>
-            <a:endParaRPr/>
-          </a:p>
-        </p:txBody>
-      </p:sp>
-      <p:sp>
-        <p:nvSpPr>
-          <p:cNvPr id="94" name="TextShape 2"/>
-          <p:cNvSpPr txBox="1"/>
+        </p:nvPicPr>
+        <p:blipFill>
+          <a:blip r:embed="rId1"/>
+          <a:stretch>
+            <a:fillRect/>
+          </a:stretch>
+        </p:blipFill>
+        <p:spPr>
+          <a:xfrm>
+            <a:off x="539640" y="836640"/>
+            <a:ext cx="5363280" cy="2382840"/>
+          </a:xfrm>
+          <a:prstGeom prst="rect">
+            <a:avLst/>
+          </a:prstGeom>
+          <a:ln>
+            <a:noFill/>
+          </a:ln>
+        </p:spPr>
+      </p:pic>
+      <p:pic>
+        <p:nvPicPr>
+          <p:cNvPr id="88" name="Picture 3" descr=""/>
+          <p:cNvPicPr/>
           <p:nvPr/>
-        </p:nvSpPr>
-        <p:spPr>
-          <a:xfrm>
-            <a:off x="457200" y="1600200"/>
-            <a:ext cx="8229240" cy="4525560"/>
-          </a:xfrm>
-          <a:prstGeom prst="rect">
-            <a:avLst/>
-          </a:prstGeom>
-        </p:spPr>
-        <p:txBody>
-          <a:bodyPr/>
-          <a:p>
-            <a:pPr>
-              <a:lnSpc>
-                <a:spcPct val="100000"/>
-              </a:lnSpc>
-              <a:buFont typeface="Arial"/>
-              <a:buChar char="•"/>
-            </a:pPr>
-            <a:r>
-              <a:rPr lang="pl-PL" sz="3200">
-                <a:solidFill>
-                  <a:srgbClr val="000000"/>
-                </a:solidFill>
-                <a:latin typeface="Calibri"/>
-              </a:rPr>
-              <a:t>If crash when running NIF whole virtual machine is down</a:t>
-            </a:r>
-            <a:endParaRPr/>
-          </a:p>
-          <a:p>
-            <a:pPr>
-              <a:lnSpc>
-                <a:spcPct val="100000"/>
-              </a:lnSpc>
-              <a:buFont typeface="Arial"/>
-              <a:buChar char="•"/>
-            </a:pPr>
-            <a:r>
-              <a:rPr lang="pl-PL" sz="3200">
-                <a:solidFill>
-                  <a:srgbClr val="000000"/>
-                </a:solidFill>
-                <a:latin typeface="Calibri"/>
-              </a:rPr>
-              <a:t>Long-running NIFs will take over a scheduler and prevent Erlang from efficiently handling many processes</a:t>
-            </a:r>
-            <a:endParaRPr/>
-          </a:p>
-          <a:p>
-            <a:pPr>
-              <a:lnSpc>
-                <a:spcPct val="100000"/>
-              </a:lnSpc>
-              <a:buFont typeface="Arial"/>
-              <a:buChar char="•"/>
-            </a:pPr>
-            <a:r>
-              <a:rPr lang="pl-PL" sz="3200">
-                <a:solidFill>
-                  <a:srgbClr val="000000"/>
-                </a:solidFill>
-                <a:latin typeface="Calibri"/>
-              </a:rPr>
-              <a:t>Problems with scaling</a:t>
-            </a:r>
-            <a:endParaRPr/>
-          </a:p>
-        </p:txBody>
-      </p:sp>
+        </p:nvPicPr>
+        <p:blipFill>
+          <a:blip r:embed="rId2"/>
+          <a:stretch>
+            <a:fillRect/>
+          </a:stretch>
+        </p:blipFill>
+        <p:spPr>
+          <a:xfrm>
+            <a:off x="3132000" y="3573000"/>
+            <a:ext cx="5281560" cy="2842200"/>
+          </a:xfrm>
+          <a:prstGeom prst="rect">
+            <a:avLst/>
+          </a:prstGeom>
+          <a:ln>
+            <a:noFill/>
+          </a:ln>
+        </p:spPr>
+      </p:pic>
     </p:spTree>
   </p:cSld>
   <p:timing>
@@ -5080,45 +4839,9 @@
           <a:chExt cx="0" cy="0"/>
         </a:xfrm>
       </p:grpSpPr>
-      <p:sp>
-        <p:nvSpPr>
-          <p:cNvPr id="95" name="TextShape 1"/>
-          <p:cNvSpPr txBox="1"/>
-          <p:nvPr/>
-        </p:nvSpPr>
-        <p:spPr>
-          <a:xfrm>
-            <a:off x="457200" y="274680"/>
-            <a:ext cx="8229240" cy="1142640"/>
-          </a:xfrm>
-          <a:prstGeom prst="rect">
-            <a:avLst/>
-          </a:prstGeom>
-        </p:spPr>
-        <p:txBody>
-          <a:bodyPr anchor="ctr"/>
-          <a:p>
-            <a:pPr algn="ctr">
-              <a:lnSpc>
-                <a:spcPct val="100000"/>
-              </a:lnSpc>
-            </a:pPr>
-            <a:r>
-              <a:rPr lang="pl-PL" sz="4400">
-                <a:solidFill>
-                  <a:srgbClr val="000000"/>
-                </a:solidFill>
-                <a:latin typeface="Calibri"/>
-              </a:rPr>
-              <a:t>Summary</a:t>
-            </a:r>
-            <a:endParaRPr/>
-          </a:p>
-        </p:txBody>
-      </p:sp>
       <p:pic>
         <p:nvPicPr>
-          <p:cNvPr id="96" name="Picture 2" descr=""/>
+          <p:cNvPr id="89" name="Picture 3" descr=""/>
           <p:cNvPicPr/>
           <p:nvPr/>
         </p:nvPicPr>
@@ -5130,8 +4853,257 @@
         </p:blipFill>
         <p:spPr>
           <a:xfrm>
-            <a:off x="1979640" y="2565000"/>
-            <a:ext cx="5590800" cy="1790280"/>
+            <a:off x="2347560" y="476640"/>
+            <a:ext cx="4447800" cy="2509920"/>
+          </a:xfrm>
+          <a:prstGeom prst="rect">
+            <a:avLst/>
+          </a:prstGeom>
+          <a:ln>
+            <a:noFill/>
+          </a:ln>
+        </p:spPr>
+      </p:pic>
+      <p:sp>
+        <p:nvSpPr>
+          <p:cNvPr id="90" name="CustomShape 1"/>
+          <p:cNvSpPr/>
+          <p:nvPr/>
+        </p:nvSpPr>
+        <p:spPr>
+          <a:xfrm>
+            <a:off x="4068000" y="3075120"/>
+            <a:ext cx="1006560" cy="698760"/>
+          </a:xfrm>
+          <a:prstGeom prst="rect">
+            <a:avLst/>
+          </a:prstGeom>
+          <a:noFill/>
+          <a:ln>
+            <a:noFill/>
+          </a:ln>
+        </p:spPr>
+        <p:txBody>
+          <a:bodyPr lIns="90000" rIns="90000" tIns="45000" bIns="45000"/>
+          <a:p>
+            <a:pPr algn="ctr">
+              <a:lnSpc>
+                <a:spcPct val="100000"/>
+              </a:lnSpc>
+            </a:pPr>
+            <a:r>
+              <a:rPr b="1" lang="pl-PL" sz="4000">
+                <a:solidFill>
+                  <a:srgbClr val="000000"/>
+                </a:solidFill>
+                <a:latin typeface="Calibri"/>
+                <a:ea typeface="DejaVu Sans"/>
+              </a:rPr>
+              <a:t>VS</a:t>
+            </a:r>
+            <a:endParaRPr/>
+          </a:p>
+        </p:txBody>
+      </p:sp>
+      <p:pic>
+        <p:nvPicPr>
+          <p:cNvPr id="91" name="Obraz 102" descr=""/>
+          <p:cNvPicPr/>
+          <p:nvPr/>
+        </p:nvPicPr>
+        <p:blipFill>
+          <a:blip r:embed="rId2"/>
+          <a:srcRect l="357461" t="-116240" r="335604" b="1911631"/>
+          <a:stretch>
+            <a:fillRect/>
+          </a:stretch>
+        </p:blipFill>
+        <p:spPr>
+          <a:xfrm>
+            <a:off x="216000" y="4014000"/>
+            <a:ext cx="4390920" cy="2608920"/>
+          </a:xfrm>
+          <a:prstGeom prst="rect">
+            <a:avLst/>
+          </a:prstGeom>
+          <a:ln>
+            <a:noFill/>
+          </a:ln>
+        </p:spPr>
+      </p:pic>
+      <p:pic>
+        <p:nvPicPr>
+          <p:cNvPr id="92" name="Obraz 103" descr=""/>
+          <p:cNvPicPr/>
+          <p:nvPr/>
+        </p:nvPicPr>
+        <p:blipFill>
+          <a:blip r:embed="rId3"/>
+          <a:srcRect l="-443804" t="-284903" r="-101193" b="-1012321"/>
+          <a:stretch>
+            <a:fillRect/>
+          </a:stretch>
+        </p:blipFill>
+        <p:spPr>
+          <a:xfrm>
+            <a:off x="4752000" y="4071960"/>
+            <a:ext cx="4102920" cy="2478960"/>
+          </a:xfrm>
+          <a:prstGeom prst="rect">
+            <a:avLst/>
+          </a:prstGeom>
+          <a:ln>
+            <a:noFill/>
+          </a:ln>
+        </p:spPr>
+      </p:pic>
+      <p:pic>
+        <p:nvPicPr>
+          <p:cNvPr id="93" name="Picture 2" descr=""/>
+          <p:cNvPicPr/>
+          <p:nvPr/>
+        </p:nvPicPr>
+        <p:blipFill>
+          <a:blip r:embed="rId4"/>
+          <a:srcRect l="0" t="0" r="-2681799" b="0"/>
+          <a:stretch>
+            <a:fillRect/>
+          </a:stretch>
+        </p:blipFill>
+        <p:spPr>
+          <a:xfrm>
+            <a:off x="179640" y="4077000"/>
+            <a:ext cx="4103280" cy="2618280"/>
+          </a:xfrm>
+          <a:prstGeom prst="rect">
+            <a:avLst/>
+          </a:prstGeom>
+          <a:ln>
+            <a:noFill/>
+          </a:ln>
+        </p:spPr>
+      </p:pic>
+      <p:pic>
+        <p:nvPicPr>
+          <p:cNvPr id="94" name="Picture 3" descr=""/>
+          <p:cNvPicPr/>
+          <p:nvPr/>
+        </p:nvPicPr>
+        <p:blipFill>
+          <a:blip r:embed="rId5"/>
+          <a:srcRect l="-1100476" t="0" r="0" b="0"/>
+          <a:stretch>
+            <a:fillRect/>
+          </a:stretch>
+        </p:blipFill>
+        <p:spPr>
+          <a:xfrm>
+            <a:off x="4356000" y="4149000"/>
+            <a:ext cx="4566600" cy="2503080"/>
+          </a:xfrm>
+          <a:prstGeom prst="rect">
+            <a:avLst/>
+          </a:prstGeom>
+          <a:ln>
+            <a:noFill/>
+          </a:ln>
+        </p:spPr>
+      </p:pic>
+      <p:pic>
+        <p:nvPicPr>
+          <p:cNvPr id="95" name="" descr=""/>
+          <p:cNvPicPr/>
+          <p:nvPr/>
+        </p:nvPicPr>
+        <p:blipFill>
+          <a:blip r:embed="rId6"/>
+          <a:srcRect l="0" t="0" r="-2894723" b="0"/>
+          <a:stretch>
+            <a:fillRect/>
+          </a:stretch>
+        </p:blipFill>
+        <p:spPr>
+          <a:xfrm>
+            <a:off x="179640" y="4071960"/>
+            <a:ext cx="4176000" cy="2618640"/>
+          </a:xfrm>
+          <a:prstGeom prst="rect">
+            <a:avLst/>
+          </a:prstGeom>
+          <a:ln>
+            <a:noFill/>
+          </a:ln>
+        </p:spPr>
+      </p:pic>
+      <p:pic>
+        <p:nvPicPr>
+          <p:cNvPr id="96" name="" descr=""/>
+          <p:cNvPicPr/>
+          <p:nvPr/>
+        </p:nvPicPr>
+        <p:blipFill>
+          <a:blip r:embed="rId7"/>
+          <a:srcRect l="-2638808" t="0" r="0" b="0"/>
+          <a:stretch>
+            <a:fillRect/>
+          </a:stretch>
+        </p:blipFill>
+        <p:spPr>
+          <a:xfrm>
+            <a:off x="4607280" y="4133880"/>
+            <a:ext cx="4247640" cy="2345760"/>
+          </a:xfrm>
+          <a:prstGeom prst="rect">
+            <a:avLst/>
+          </a:prstGeom>
+          <a:ln>
+            <a:noFill/>
+          </a:ln>
+        </p:spPr>
+      </p:pic>
+      <p:pic>
+        <p:nvPicPr>
+          <p:cNvPr id="97" name="" descr=""/>
+          <p:cNvPicPr/>
+          <p:nvPr/>
+        </p:nvPicPr>
+        <p:blipFill>
+          <a:blip r:embed="rId8"/>
+          <a:srcRect l="118768" t="0" r="0" b="0"/>
+          <a:stretch>
+            <a:fillRect/>
+          </a:stretch>
+        </p:blipFill>
+        <p:spPr>
+          <a:xfrm>
+            <a:off x="4480920" y="4149000"/>
+            <a:ext cx="4591080" cy="2516040"/>
+          </a:xfrm>
+          <a:prstGeom prst="rect">
+            <a:avLst/>
+          </a:prstGeom>
+          <a:ln>
+            <a:noFill/>
+          </a:ln>
+        </p:spPr>
+      </p:pic>
+      <p:pic>
+        <p:nvPicPr>
+          <p:cNvPr id="98" name="" descr=""/>
+          <p:cNvPicPr/>
+          <p:nvPr/>
+        </p:nvPicPr>
+        <p:blipFill>
+          <a:blip r:embed="rId9"/>
+          <a:srcRect l="0" t="0" r="250000" b="0"/>
+          <a:stretch>
+            <a:fillRect/>
+          </a:stretch>
+        </p:blipFill>
+        <p:spPr>
+          <a:xfrm>
+            <a:off x="216000" y="4077000"/>
+            <a:ext cx="4139640" cy="2619000"/>
           </a:xfrm>
           <a:prstGeom prst="rect">
             <a:avLst/>
@@ -5190,45 +5162,9 @@
           <a:chExt cx="0" cy="0"/>
         </a:xfrm>
       </p:grpSpPr>
-      <p:sp>
-        <p:nvSpPr>
-          <p:cNvPr id="97" name="TextShape 1"/>
-          <p:cNvSpPr txBox="1"/>
-          <p:nvPr/>
-        </p:nvSpPr>
-        <p:spPr>
-          <a:xfrm>
-            <a:off x="457200" y="274680"/>
-            <a:ext cx="8229240" cy="1142640"/>
-          </a:xfrm>
-          <a:prstGeom prst="rect">
-            <a:avLst/>
-          </a:prstGeom>
-        </p:spPr>
-        <p:txBody>
-          <a:bodyPr anchor="ctr"/>
-          <a:p>
-            <a:pPr algn="ctr">
-              <a:lnSpc>
-                <a:spcPct val="100000"/>
-              </a:lnSpc>
-            </a:pPr>
-            <a:r>
-              <a:rPr lang="pl-PL" sz="4400">
-                <a:solidFill>
-                  <a:srgbClr val="000000"/>
-                </a:solidFill>
-                <a:latin typeface="Calibri"/>
-              </a:rPr>
-              <a:t>For more comparison: ports</a:t>
-            </a:r>
-            <a:endParaRPr/>
-          </a:p>
-        </p:txBody>
-      </p:sp>
       <p:pic>
         <p:nvPicPr>
-          <p:cNvPr id="98" name="Picture 2" descr=""/>
+          <p:cNvPr id="99" name="Picture 2" descr=""/>
           <p:cNvPicPr/>
           <p:nvPr/>
         </p:nvPicPr>
@@ -5240,8 +5176,8 @@
         </p:blipFill>
         <p:spPr>
           <a:xfrm>
-            <a:off x="1302840" y="2637000"/>
-            <a:ext cx="6538320" cy="2453400"/>
+            <a:off x="815400" y="2049120"/>
+            <a:ext cx="7512120" cy="2757960"/>
           </a:xfrm>
           <a:prstGeom prst="rect">
             <a:avLst/>
@@ -5300,9 +5236,49 @@
           <a:chExt cx="0" cy="0"/>
         </a:xfrm>
       </p:grpSpPr>
+      <p:sp>
+        <p:nvSpPr>
+          <p:cNvPr id="100" name="CustomShape 1"/>
+          <p:cNvSpPr/>
+          <p:nvPr/>
+        </p:nvSpPr>
+        <p:spPr>
+          <a:xfrm>
+            <a:off x="457200" y="274680"/>
+            <a:ext cx="8228160" cy="1141560"/>
+          </a:xfrm>
+          <a:prstGeom prst="rect">
+            <a:avLst/>
+          </a:prstGeom>
+          <a:noFill/>
+          <a:ln>
+            <a:noFill/>
+          </a:ln>
+        </p:spPr>
+        <p:txBody>
+          <a:bodyPr lIns="90000" rIns="90000" tIns="45000" bIns="45000" anchor="ctr"/>
+          <a:p>
+            <a:pPr algn="ctr">
+              <a:lnSpc>
+                <a:spcPct val="100000"/>
+              </a:lnSpc>
+            </a:pPr>
+            <a:r>
+              <a:rPr lang="pl-PL" sz="4400">
+                <a:solidFill>
+                  <a:srgbClr val="000000"/>
+                </a:solidFill>
+                <a:latin typeface="Calibri"/>
+              </a:rPr>
+              <a:t>Time for some testing</a:t>
+            </a:r>
+            <a:endParaRPr/>
+          </a:p>
+        </p:txBody>
+      </p:sp>
       <p:pic>
         <p:nvPicPr>
-          <p:cNvPr id="99" name="Picture 2" descr=""/>
+          <p:cNvPr id="101" name="Picture 2" descr=""/>
           <p:cNvPicPr/>
           <p:nvPr/>
         </p:nvPicPr>
@@ -5314,33 +5290,8 @@
         </p:blipFill>
         <p:spPr>
           <a:xfrm>
-            <a:off x="539640" y="836640"/>
-            <a:ext cx="5364360" cy="2383920"/>
-          </a:xfrm>
-          <a:prstGeom prst="rect">
-            <a:avLst/>
-          </a:prstGeom>
-          <a:ln>
-            <a:noFill/>
-          </a:ln>
-        </p:spPr>
-      </p:pic>
-      <p:pic>
-        <p:nvPicPr>
-          <p:cNvPr id="100" name="Picture 3" descr=""/>
-          <p:cNvPicPr/>
-          <p:nvPr/>
-        </p:nvPicPr>
-        <p:blipFill>
-          <a:blip r:embed="rId2"/>
-          <a:stretch>
-            <a:fillRect/>
-          </a:stretch>
-        </p:blipFill>
-        <p:spPr>
-          <a:xfrm>
-            <a:off x="3132000" y="3573000"/>
-            <a:ext cx="5282640" cy="2843280"/>
+            <a:off x="683640" y="1556640"/>
+            <a:ext cx="7746480" cy="4409640"/>
           </a:xfrm>
           <a:prstGeom prst="rect">
             <a:avLst/>
